--- a/Operator.pptx
+++ b/Operator.pptx
@@ -5,7 +5,7 @@
     <p:sldMasterId id="2147483648" r:id="rId1"/>
   </p:sldMasterIdLst>
   <p:notesMasterIdLst>
-    <p:notesMasterId r:id="rId12"/>
+    <p:notesMasterId r:id="rId13"/>
   </p:notesMasterIdLst>
   <p:sldIdLst>
     <p:sldId id="256" r:id="rId2"/>
@@ -18,21 +18,22 @@
     <p:sldId id="263" r:id="rId9"/>
     <p:sldId id="264" r:id="rId10"/>
     <p:sldId id="265" r:id="rId11"/>
+    <p:sldId id="266" r:id="rId12"/>
   </p:sldIdLst>
   <p:sldSz cx="10077450" cy="7562850"/>
   <p:notesSz cx="7772400" cy="10058400"/>
   <p:embeddedFontLst>
     <p:embeddedFont>
       <p:font typeface="Arial Black" panose="020B0A04020102020204" pitchFamily="34" charset="0"/>
-      <p:regular r:id="rId13"/>
-      <p:bold r:id="rId14"/>
+      <p:regular r:id="rId14"/>
+      <p:bold r:id="rId15"/>
     </p:embeddedFont>
     <p:embeddedFont>
       <p:font typeface="Calibri" panose="020F0502020204030204" pitchFamily="34" charset="0"/>
-      <p:regular r:id="rId15"/>
-      <p:bold r:id="rId16"/>
-      <p:italic r:id="rId17"/>
-      <p:boldItalic r:id="rId18"/>
+      <p:regular r:id="rId16"/>
+      <p:bold r:id="rId17"/>
+      <p:italic r:id="rId18"/>
+      <p:boldItalic r:id="rId19"/>
     </p:embeddedFont>
   </p:embeddedFontLst>
   <p:defaultTextStyle>
@@ -280,7 +281,7 @@
       </p15:sldGuideLst>
     </p:ext>
     <p:ext uri="http://customooxmlschemas.google.com/">
-      <go:slidesCustomData xmlns="" xmlns:mc="http://schemas.openxmlformats.org/markup-compatibility/2006" xmlns:mv="urn:schemas-microsoft-com:mac:vml" xmlns:c="http://schemas.openxmlformats.org/drawingml/2006/chart" xmlns:dgm="http://schemas.openxmlformats.org/drawingml/2006/diagram" xmlns:o="urn:schemas-microsoft-com:office:office" xmlns:v="urn:schemas-microsoft-com:vml" xmlns:pvml="urn:schemas-microsoft-com:office:powerpoint" xmlns:com="http://schemas.openxmlformats.org/drawingml/2006/compatibility" xmlns:p14="http://schemas.microsoft.com/office/powerpoint/2010/main" xmlns:p15="http://schemas.microsoft.com/office/powerpoint/2012/main" xmlns:ahyp="http://schemas.microsoft.com/office/drawing/2018/hyperlinkcolor" xmlns:go="http://customooxmlschemas.google.com/" r:id="rId19" roundtripDataSignature="AMtx7mipNH/+IkhNPeAn0pBx3m2OYJUG9A=="/>
+      <go:slidesCustomData xmlns="" xmlns:mc="http://schemas.openxmlformats.org/markup-compatibility/2006" xmlns:mv="urn:schemas-microsoft-com:mac:vml" xmlns:c="http://schemas.openxmlformats.org/drawingml/2006/chart" xmlns:dgm="http://schemas.openxmlformats.org/drawingml/2006/diagram" xmlns:o="urn:schemas-microsoft-com:office:office" xmlns:v="urn:schemas-microsoft-com:vml" xmlns:pvml="urn:schemas-microsoft-com:office:powerpoint" xmlns:com="http://schemas.openxmlformats.org/drawingml/2006/compatibility" xmlns:p14="http://schemas.microsoft.com/office/powerpoint/2010/main" xmlns:p15="http://schemas.microsoft.com/office/powerpoint/2012/main" xmlns:ahyp="http://schemas.microsoft.com/office/drawing/2018/hyperlinkcolor" xmlns:go="http://customooxmlschemas.google.com/" r:id="rId20" roundtripDataSignature="AMtx7mipNH/+IkhNPeAn0pBx3m2OYJUG9A=="/>
     </p:ext>
   </p:extLst>
 </p:presentation>
@@ -2138,7 +2139,7 @@
               <a:buNone/>
             </a:pPr>
             <a:r>
-              <a:rPr lang="en-US">
+              <a:rPr lang="en-US" dirty="0" err="1">
                 <a:solidFill>
                   <a:schemeClr val="dk1"/>
                 </a:solidFill>
@@ -14149,21 +14150,17 @@
             </a:endParaRPr>
           </a:p>
           <a:p>
-            <a:pPr marL="457200" lvl="0" indent="-349250" algn="l" rtl="0">
+            <a:pPr indent="-349250">
               <a:lnSpc>
                 <a:spcPct val="115000"/>
               </a:lnSpc>
               <a:spcBef>
                 <a:spcPts val="0"/>
               </a:spcBef>
-              <a:spcAft>
-                <a:spcPts val="0"/>
-              </a:spcAft>
               <a:buClr>
                 <a:srgbClr val="F8B322"/>
               </a:buClr>
               <a:buSzPts val="1900"/>
-              <a:buChar char="●"/>
             </a:pPr>
             <a:r>
               <a:rPr lang="en-US" sz="1900" dirty="0">
@@ -14195,39 +14192,7 @@
                   <a:srgbClr val="F8B322"/>
                 </a:solidFill>
               </a:rPr>
-              <a:t>koden</a:t>
-            </a:r>
-            <a:r>
-              <a:rPr lang="en-US" sz="1900" dirty="0">
-                <a:solidFill>
-                  <a:srgbClr val="F8B322"/>
-                </a:solidFill>
-              </a:rPr>
-              <a:t> </a:t>
-            </a:r>
-            <a:r>
-              <a:rPr lang="en-US" sz="1900" dirty="0" err="1">
-                <a:solidFill>
-                  <a:srgbClr val="F8B322"/>
-                </a:solidFill>
-              </a:rPr>
-              <a:t>som</a:t>
-            </a:r>
-            <a:r>
-              <a:rPr lang="en-US" sz="1900" dirty="0">
-                <a:solidFill>
-                  <a:srgbClr val="F8B322"/>
-                </a:solidFill>
-              </a:rPr>
-              <a:t> </a:t>
-            </a:r>
-            <a:r>
-              <a:rPr lang="en-US" sz="1900" dirty="0" err="1">
-                <a:solidFill>
-                  <a:srgbClr val="F8B322"/>
-                </a:solidFill>
-              </a:rPr>
-              <a:t>visades</a:t>
+              <a:t>PasswordstateOperator</a:t>
             </a:r>
             <a:br>
               <a:rPr lang="en-US" sz="1900" dirty="0">
@@ -14242,100 +14207,60 @@
                   <a:srgbClr val="BDBDBD"/>
                 </a:solidFill>
               </a:rPr>
-              <a:t>https://github.com/fdahlen/SqueedBrew2021</a:t>
-            </a:r>
-            <a:endParaRPr sz="1900" dirty="0">
+              <a:t>https://github.com/fdahlen/passwordstate-operator</a:t>
+            </a:r>
+            <a:br>
+              <a:rPr lang="en-US" sz="1900" dirty="0">
+                <a:solidFill>
+                  <a:srgbClr val="BDBDBD"/>
+                </a:solidFill>
+              </a:rPr>
+            </a:br>
+            <a:endParaRPr lang="en-US" sz="1900" dirty="0">
               <a:solidFill>
                 <a:srgbClr val="BDBDBD"/>
               </a:solidFill>
             </a:endParaRPr>
           </a:p>
           <a:p>
-            <a:pPr marL="457200" lvl="0" indent="0" algn="l" rtl="0">
+            <a:pPr indent="-349250">
               <a:lnSpc>
                 <a:spcPct val="115000"/>
               </a:lnSpc>
               <a:spcBef>
-                <a:spcPts val="360"/>
-              </a:spcBef>
-              <a:spcAft>
-                <a:spcPts val="0"/>
-              </a:spcAft>
-              <a:buNone/>
-            </a:pPr>
-            <a:endParaRPr sz="1900" dirty="0">
-              <a:solidFill>
-                <a:srgbClr val="F8B322"/>
-              </a:solidFill>
-            </a:endParaRPr>
-          </a:p>
-          <a:p>
-            <a:pPr marL="457200" lvl="0" indent="-349250" algn="l" rtl="0">
-              <a:lnSpc>
-                <a:spcPct val="115000"/>
-              </a:lnSpc>
-              <a:spcBef>
-                <a:spcPts val="360"/>
-              </a:spcBef>
-              <a:spcAft>
-                <a:spcPts val="0"/>
-              </a:spcAft>
+                <a:spcPts val="0"/>
+              </a:spcBef>
               <a:buClr>
                 <a:srgbClr val="F8B322"/>
               </a:buClr>
               <a:buSzPts val="1900"/>
-              <a:buChar char="●"/>
             </a:pPr>
             <a:r>
-              <a:rPr lang="en-US" sz="1900" dirty="0">
+              <a:rPr lang="sv-SE" sz="1900" dirty="0">
                 <a:solidFill>
                   <a:srgbClr val="F8B322"/>
                 </a:solidFill>
               </a:rPr>
-              <a:t>Repot </a:t>
-            </a:r>
-            <a:r>
-              <a:rPr lang="en-US" sz="1900" dirty="0" err="1">
+              <a:t>Repot för koden som visades</a:t>
+            </a:r>
+            <a:br>
+              <a:rPr lang="sv-SE" sz="1900" dirty="0">
                 <a:solidFill>
                   <a:srgbClr val="F8B322"/>
                 </a:solidFill>
               </a:rPr>
-              <a:t>för</a:t>
-            </a:r>
-            <a:r>
-              <a:rPr lang="en-US" sz="1900" dirty="0">
-                <a:solidFill>
-                  <a:srgbClr val="F8B322"/>
-                </a:solidFill>
-              </a:rPr>
-              <a:t> </a:t>
-            </a:r>
-            <a:r>
-              <a:rPr lang="en-US" sz="1900" dirty="0" err="1">
-                <a:solidFill>
-                  <a:srgbClr val="F8B322"/>
-                </a:solidFill>
-              </a:rPr>
-              <a:t>PasswordstateOperator</a:t>
-            </a:r>
-            <a:br>
-              <a:rPr lang="en-US" sz="1900" dirty="0">
-                <a:solidFill>
-                  <a:srgbClr val="F8B322"/>
-                </a:solidFill>
-              </a:rPr>
             </a:br>
             <a:r>
-              <a:rPr lang="en-US" sz="1900" dirty="0">
+              <a:rPr lang="sv-SE" sz="1900" dirty="0">
                 <a:solidFill>
                   <a:srgbClr val="BDBDBD"/>
                 </a:solidFill>
               </a:rPr>
-              <a:t>https://github.com/fdahlen/passwordstate-operator</a:t>
+              <a:t>https://github.com/fdahlen/SqueedBrew2021</a:t>
             </a:r>
             <a:endParaRPr sz="1900" dirty="0">
               <a:solidFill>
-                <a:srgbClr val="BDBDBD"/>
+                <a:srgbClr val="F8B322"/>
               </a:solidFill>
             </a:endParaRPr>
           </a:p>
@@ -14645,7 +14570,7 @@
                                         <p:tgtEl>
                                           <p:spTgt spid="149">
                                             <p:txEl>
-                                              <p:pRg st="5" end="5"/>
+                                              <p:pRg st="4" end="4"/>
                                             </p:txEl>
                                           </p:spTgt>
                                         </p:tgtEl>
@@ -14663,7 +14588,7 @@
                                         <p:tgtEl>
                                           <p:spTgt spid="149">
                                             <p:txEl>
-                                              <p:pRg st="5" end="5"/>
+                                              <p:pRg st="4" end="4"/>
                                             </p:txEl>
                                           </p:spTgt>
                                         </p:tgtEl>
@@ -14703,6 +14628,136 @@
       <p:bldP spid="149" grpId="0" build="p"/>
     </p:bldLst>
   </p:timing>
+</p:sld>
+</file>
+
+<file path=ppt/slides/slide11.xml><?xml version="1.0" encoding="utf-8"?>
+<p:sld xmlns:a="http://schemas.openxmlformats.org/drawingml/2006/main" xmlns:r="http://schemas.openxmlformats.org/officeDocument/2006/relationships" xmlns:p="http://schemas.openxmlformats.org/presentationml/2006/main">
+  <p:cSld>
+    <p:spTree>
+      <p:nvGrpSpPr>
+        <p:cNvPr id="1" name=""/>
+        <p:cNvGrpSpPr/>
+        <p:nvPr/>
+      </p:nvGrpSpPr>
+      <p:grpSpPr>
+        <a:xfrm>
+          <a:off x="0" y="0"/>
+          <a:ext cx="0" cy="0"/>
+          <a:chOff x="0" y="0"/>
+          <a:chExt cx="0" cy="0"/>
+        </a:xfrm>
+      </p:grpSpPr>
+      <p:pic>
+        <p:nvPicPr>
+          <p:cNvPr id="1026" name="Picture 2">
+            <a:extLst>
+              <a:ext uri="{FF2B5EF4-FFF2-40B4-BE49-F238E27FC236}">
+                <a16:creationId xmlns:a16="http://schemas.microsoft.com/office/drawing/2014/main" id="{4B80A3D5-E412-412D-87DF-D5B821978CE3}"/>
+              </a:ext>
+            </a:extLst>
+          </p:cNvPr>
+          <p:cNvPicPr>
+            <a:picLocks noChangeAspect="1" noChangeArrowheads="1"/>
+          </p:cNvPicPr>
+          <p:nvPr/>
+        </p:nvPicPr>
+        <p:blipFill>
+          <a:blip r:embed="rId2">
+            <a:extLst>
+              <a:ext uri="{28A0092B-C50C-407E-A947-70E740481C1C}">
+                <a14:useLocalDpi xmlns:a14="http://schemas.microsoft.com/office/drawing/2010/main" val="0"/>
+              </a:ext>
+            </a:extLst>
+          </a:blip>
+          <a:srcRect/>
+          <a:stretch>
+            <a:fillRect/>
+          </a:stretch>
+        </p:blipFill>
+        <p:spPr bwMode="auto">
+          <a:xfrm>
+            <a:off x="2575995" y="449465"/>
+            <a:ext cx="5230369" cy="5230369"/>
+          </a:xfrm>
+          <a:prstGeom prst="rect">
+            <a:avLst/>
+          </a:prstGeom>
+          <a:noFill/>
+          <a:extLst>
+            <a:ext uri="{909E8E84-426E-40DD-AFC4-6F175D3DCCD1}">
+              <a14:hiddenFill xmlns:a14="http://schemas.microsoft.com/office/drawing/2010/main">
+                <a:solidFill>
+                  <a:srgbClr val="FFFFFF"/>
+                </a:solidFill>
+              </a14:hiddenFill>
+            </a:ext>
+          </a:extLst>
+        </p:spPr>
+      </p:pic>
+      <p:sp>
+        <p:nvSpPr>
+          <p:cNvPr id="5" name="Google Shape;126;geeb7b6d408_0_24">
+            <a:extLst>
+              <a:ext uri="{FF2B5EF4-FFF2-40B4-BE49-F238E27FC236}">
+                <a16:creationId xmlns:a16="http://schemas.microsoft.com/office/drawing/2014/main" id="{8EDC2557-09F6-41D7-9800-F79601BC5F5A}"/>
+              </a:ext>
+            </a:extLst>
+          </p:cNvPr>
+          <p:cNvSpPr txBox="1">
+            <a:spLocks noGrp="1"/>
+          </p:cNvSpPr>
+          <p:nvPr>
+            <p:ph type="body" idx="1"/>
+          </p:nvPr>
+        </p:nvSpPr>
+        <p:spPr>
+          <a:xfrm>
+            <a:off x="503237" y="5866541"/>
+            <a:ext cx="9069300" cy="795483"/>
+          </a:xfrm>
+          <a:prstGeom prst="rect">
+            <a:avLst/>
+          </a:prstGeom>
+        </p:spPr>
+        <p:txBody>
+          <a:bodyPr spcFirstLastPara="1" wrap="square" lIns="0" tIns="0" rIns="0" bIns="0" anchor="t" anchorCtr="0">
+            <a:noAutofit/>
+          </a:bodyPr>
+          <a:lstStyle/>
+          <a:p>
+            <a:pPr marL="0" lvl="0" indent="0" algn="ctr">
+              <a:lnSpc>
+                <a:spcPct val="115000"/>
+              </a:lnSpc>
+              <a:buNone/>
+            </a:pPr>
+            <a:r>
+              <a:rPr lang="sv-SE" sz="2400" dirty="0">
+                <a:solidFill>
+                  <a:srgbClr val="BDBDBD"/>
+                </a:solidFill>
+              </a:rPr>
+              <a:t>https://github.com/fdahlen/SqueedBrew2021</a:t>
+            </a:r>
+            <a:endParaRPr sz="2400" dirty="0">
+              <a:solidFill>
+                <a:srgbClr val="F8B322"/>
+              </a:solidFill>
+            </a:endParaRPr>
+          </a:p>
+        </p:txBody>
+      </p:sp>
+    </p:spTree>
+    <p:extLst>
+      <p:ext uri="{BB962C8B-B14F-4D97-AF65-F5344CB8AC3E}">
+        <p14:creationId xmlns:p14="http://schemas.microsoft.com/office/powerpoint/2010/main" val="963727532"/>
+      </p:ext>
+    </p:extLst>
+  </p:cSld>
+  <p:clrMapOvr>
+    <a:masterClrMapping/>
+  </p:clrMapOvr>
 </p:sld>
 </file>
 
@@ -18499,14 +18554,278 @@
               <a:buNone/>
             </a:pPr>
             <a:r>
-              <a:rPr lang="en-US" sz="3500">
+              <a:rPr lang="en-US" sz="3500" dirty="0" err="1">
                 <a:solidFill>
                   <a:srgbClr val="F8B322"/>
                 </a:solidFill>
               </a:rPr>
-              <a:t>En applikation läser lösenord från secrets. Lösenorden ligger ursprungligen lagrade i en lösenordstjänst. Hur får man in lösenorden som secrets i klustret?</a:t>
-            </a:r>
-            <a:endParaRPr sz="3500">
+              <a:t>En</a:t>
+            </a:r>
+            <a:r>
+              <a:rPr lang="en-US" sz="3500" dirty="0">
+                <a:solidFill>
+                  <a:srgbClr val="F8B322"/>
+                </a:solidFill>
+              </a:rPr>
+              <a:t> </a:t>
+            </a:r>
+            <a:r>
+              <a:rPr lang="en-US" sz="3500" dirty="0" err="1">
+                <a:solidFill>
+                  <a:srgbClr val="F8B322"/>
+                </a:solidFill>
+              </a:rPr>
+              <a:t>applikation</a:t>
+            </a:r>
+            <a:r>
+              <a:rPr lang="en-US" sz="3500" dirty="0">
+                <a:solidFill>
+                  <a:srgbClr val="F8B322"/>
+                </a:solidFill>
+              </a:rPr>
+              <a:t> </a:t>
+            </a:r>
+            <a:r>
+              <a:rPr lang="en-US" sz="3500" dirty="0" err="1">
+                <a:solidFill>
+                  <a:srgbClr val="F8B322"/>
+                </a:solidFill>
+              </a:rPr>
+              <a:t>läser</a:t>
+            </a:r>
+            <a:r>
+              <a:rPr lang="en-US" sz="3500" dirty="0">
+                <a:solidFill>
+                  <a:srgbClr val="F8B322"/>
+                </a:solidFill>
+              </a:rPr>
+              <a:t> </a:t>
+            </a:r>
+            <a:r>
+              <a:rPr lang="en-US" sz="3500" dirty="0" err="1">
+                <a:solidFill>
+                  <a:srgbClr val="F8B322"/>
+                </a:solidFill>
+              </a:rPr>
+              <a:t>lösenord</a:t>
+            </a:r>
+            <a:r>
+              <a:rPr lang="en-US" sz="3500" dirty="0">
+                <a:solidFill>
+                  <a:srgbClr val="F8B322"/>
+                </a:solidFill>
+              </a:rPr>
+              <a:t> </a:t>
+            </a:r>
+            <a:r>
+              <a:rPr lang="en-US" sz="3500" dirty="0" err="1">
+                <a:solidFill>
+                  <a:srgbClr val="F8B322"/>
+                </a:solidFill>
+              </a:rPr>
+              <a:t>från</a:t>
+            </a:r>
+            <a:r>
+              <a:rPr lang="en-US" sz="3500" dirty="0">
+                <a:solidFill>
+                  <a:srgbClr val="F8B322"/>
+                </a:solidFill>
+              </a:rPr>
+              <a:t> secrets. </a:t>
+            </a:r>
+            <a:r>
+              <a:rPr lang="en-US" sz="3500" dirty="0" err="1">
+                <a:solidFill>
+                  <a:srgbClr val="F8B322"/>
+                </a:solidFill>
+              </a:rPr>
+              <a:t>Lösenorden</a:t>
+            </a:r>
+            <a:r>
+              <a:rPr lang="en-US" sz="3500" dirty="0">
+                <a:solidFill>
+                  <a:srgbClr val="F8B322"/>
+                </a:solidFill>
+              </a:rPr>
+              <a:t> ligger </a:t>
+            </a:r>
+            <a:r>
+              <a:rPr lang="en-US" sz="3500" dirty="0" err="1">
+                <a:solidFill>
+                  <a:srgbClr val="F8B322"/>
+                </a:solidFill>
+              </a:rPr>
+              <a:t>ursprungligen</a:t>
+            </a:r>
+            <a:r>
+              <a:rPr lang="en-US" sz="3500" dirty="0">
+                <a:solidFill>
+                  <a:srgbClr val="F8B322"/>
+                </a:solidFill>
+              </a:rPr>
+              <a:t> </a:t>
+            </a:r>
+            <a:r>
+              <a:rPr lang="en-US" sz="3500" dirty="0" err="1">
+                <a:solidFill>
+                  <a:srgbClr val="F8B322"/>
+                </a:solidFill>
+              </a:rPr>
+              <a:t>lagrade</a:t>
+            </a:r>
+            <a:r>
+              <a:rPr lang="en-US" sz="3500" dirty="0">
+                <a:solidFill>
+                  <a:srgbClr val="F8B322"/>
+                </a:solidFill>
+              </a:rPr>
+              <a:t> </a:t>
+            </a:r>
+            <a:r>
+              <a:rPr lang="en-US" sz="3500" dirty="0" err="1">
+                <a:solidFill>
+                  <a:srgbClr val="F8B322"/>
+                </a:solidFill>
+              </a:rPr>
+              <a:t>i</a:t>
+            </a:r>
+            <a:r>
+              <a:rPr lang="en-US" sz="3500" dirty="0">
+                <a:solidFill>
+                  <a:srgbClr val="F8B322"/>
+                </a:solidFill>
+              </a:rPr>
+              <a:t> </a:t>
+            </a:r>
+            <a:r>
+              <a:rPr lang="en-US" sz="3500" dirty="0" err="1">
+                <a:solidFill>
+                  <a:srgbClr val="F8B322"/>
+                </a:solidFill>
+              </a:rPr>
+              <a:t>en</a:t>
+            </a:r>
+            <a:r>
+              <a:rPr lang="en-US" sz="3500" dirty="0">
+                <a:solidFill>
+                  <a:srgbClr val="F8B322"/>
+                </a:solidFill>
+              </a:rPr>
+              <a:t> </a:t>
+            </a:r>
+            <a:r>
+              <a:rPr lang="en-US" sz="3500" dirty="0" err="1">
+                <a:solidFill>
+                  <a:srgbClr val="F8B322"/>
+                </a:solidFill>
+              </a:rPr>
+              <a:t>lösenordstjänst</a:t>
+            </a:r>
+            <a:r>
+              <a:rPr lang="en-US" sz="3500" dirty="0">
+                <a:solidFill>
+                  <a:srgbClr val="F8B322"/>
+                </a:solidFill>
+              </a:rPr>
+              <a:t>. </a:t>
+            </a:r>
+            <a:r>
+              <a:rPr lang="en-US" sz="3500" dirty="0" err="1">
+                <a:solidFill>
+                  <a:srgbClr val="F8B322"/>
+                </a:solidFill>
+              </a:rPr>
+              <a:t>Hur</a:t>
+            </a:r>
+            <a:r>
+              <a:rPr lang="en-US" sz="3500" dirty="0">
+                <a:solidFill>
+                  <a:srgbClr val="F8B322"/>
+                </a:solidFill>
+              </a:rPr>
+              <a:t> </a:t>
+            </a:r>
+            <a:r>
+              <a:rPr lang="en-US" sz="3500" dirty="0" err="1">
+                <a:solidFill>
+                  <a:srgbClr val="F8B322"/>
+                </a:solidFill>
+              </a:rPr>
+              <a:t>får</a:t>
+            </a:r>
+            <a:r>
+              <a:rPr lang="en-US" sz="3500" dirty="0">
+                <a:solidFill>
+                  <a:srgbClr val="F8B322"/>
+                </a:solidFill>
+              </a:rPr>
+              <a:t> man in </a:t>
+            </a:r>
+            <a:r>
+              <a:rPr lang="en-US" sz="3500" dirty="0" err="1">
+                <a:solidFill>
+                  <a:srgbClr val="F8B322"/>
+                </a:solidFill>
+              </a:rPr>
+              <a:t>lösenorden</a:t>
+            </a:r>
+            <a:r>
+              <a:rPr lang="en-US" sz="3500" dirty="0">
+                <a:solidFill>
+                  <a:srgbClr val="F8B322"/>
+                </a:solidFill>
+              </a:rPr>
+              <a:t> </a:t>
+            </a:r>
+            <a:r>
+              <a:rPr lang="en-US" sz="3500" dirty="0" err="1">
+                <a:solidFill>
+                  <a:srgbClr val="F8B322"/>
+                </a:solidFill>
+              </a:rPr>
+              <a:t>som</a:t>
+            </a:r>
+            <a:r>
+              <a:rPr lang="en-US" sz="3500" dirty="0">
+                <a:solidFill>
+                  <a:srgbClr val="F8B322"/>
+                </a:solidFill>
+              </a:rPr>
+              <a:t> secrets </a:t>
+            </a:r>
+            <a:r>
+              <a:rPr lang="en-US" sz="3500" dirty="0" err="1">
+                <a:solidFill>
+                  <a:srgbClr val="F8B322"/>
+                </a:solidFill>
+              </a:rPr>
+              <a:t>i</a:t>
+            </a:r>
+            <a:r>
+              <a:rPr lang="en-US" sz="3500" dirty="0">
+                <a:solidFill>
+                  <a:srgbClr val="F8B322"/>
+                </a:solidFill>
+              </a:rPr>
+              <a:t> </a:t>
+            </a:r>
+            <a:r>
+              <a:rPr lang="en-US" sz="3500" dirty="0" err="1">
+                <a:solidFill>
+                  <a:srgbClr val="F8B322"/>
+                </a:solidFill>
+              </a:rPr>
+              <a:t>klustret</a:t>
+            </a:r>
+            <a:r>
+              <a:rPr lang="en-US" sz="3500" dirty="0">
+                <a:solidFill>
+                  <a:srgbClr val="F8B322"/>
+                </a:solidFill>
+              </a:rPr>
+              <a:t>?</a:t>
+            </a:r>
+            <a:endParaRPr sz="3500" dirty="0">
               <a:solidFill>
                 <a:srgbClr val="F8B322"/>
               </a:solidFill>
@@ -18525,7 +18844,7 @@
               </a:spcAft>
               <a:buNone/>
             </a:pPr>
-            <a:endParaRPr sz="3500">
+            <a:endParaRPr sz="3500" dirty="0">
               <a:solidFill>
                 <a:srgbClr val="F8B322"/>
               </a:solidFill>
@@ -18545,14 +18864,54 @@
               <a:buNone/>
             </a:pPr>
             <a:r>
-              <a:rPr lang="en-US" sz="3500" u="sng">
+              <a:rPr lang="en-US" sz="3500" u="sng" dirty="0" err="1">
                 <a:solidFill>
                   <a:srgbClr val="F8B322"/>
                 </a:solidFill>
               </a:rPr>
-              <a:t>Så, vilket jobb?</a:t>
-            </a:r>
-            <a:endParaRPr sz="3500" u="sng">
+              <a:t>Så</a:t>
+            </a:r>
+            <a:r>
+              <a:rPr lang="en-US" sz="3500" u="sng" dirty="0">
+                <a:solidFill>
+                  <a:srgbClr val="F8B322"/>
+                </a:solidFill>
+              </a:rPr>
+              <a:t>, </a:t>
+            </a:r>
+            <a:r>
+              <a:rPr lang="en-US" sz="3500" u="sng" dirty="0" err="1">
+                <a:solidFill>
+                  <a:srgbClr val="F8B322"/>
+                </a:solidFill>
+              </a:rPr>
+              <a:t>vilket</a:t>
+            </a:r>
+            <a:r>
+              <a:rPr lang="en-US" sz="3500" u="sng" dirty="0">
+                <a:solidFill>
+                  <a:srgbClr val="F8B322"/>
+                </a:solidFill>
+              </a:rPr>
+              <a:t> </a:t>
+            </a:r>
+            <a:r>
+              <a:rPr lang="en-US" sz="3500" u="sng" dirty="0" err="1">
+                <a:solidFill>
+                  <a:srgbClr val="F8B322"/>
+                </a:solidFill>
+              </a:rPr>
+              <a:t>jobb</a:t>
+            </a:r>
+            <a:r>
+              <a:rPr lang="en-US" sz="3500" u="sng" dirty="0">
+                <a:solidFill>
+                  <a:srgbClr val="F8B322"/>
+                </a:solidFill>
+              </a:rPr>
+              <a:t>?</a:t>
+            </a:r>
+            <a:endParaRPr sz="3500" u="sng" dirty="0">
               <a:solidFill>
                 <a:srgbClr val="F8B322"/>
               </a:solidFill>
@@ -18577,14 +18936,118 @@
               <a:buNone/>
             </a:pPr>
             <a:r>
-              <a:rPr lang="en-US" sz="3500">
+              <a:rPr lang="en-US" sz="3500" dirty="0" err="1">
                 <a:solidFill>
                   <a:srgbClr val="F8B322"/>
                 </a:solidFill>
               </a:rPr>
-              <a:t>Hämta lösenord från lösenordstjänsten och lägga in som secrets</a:t>
-            </a:r>
-            <a:endParaRPr sz="3500">
+              <a:t>Hämta</a:t>
+            </a:r>
+            <a:r>
+              <a:rPr lang="en-US" sz="3500" dirty="0">
+                <a:solidFill>
+                  <a:srgbClr val="F8B322"/>
+                </a:solidFill>
+              </a:rPr>
+              <a:t> </a:t>
+            </a:r>
+            <a:r>
+              <a:rPr lang="en-US" sz="3500" dirty="0" err="1">
+                <a:solidFill>
+                  <a:srgbClr val="F8B322"/>
+                </a:solidFill>
+              </a:rPr>
+              <a:t>lösenord</a:t>
+            </a:r>
+            <a:r>
+              <a:rPr lang="en-US" sz="3500" dirty="0">
+                <a:solidFill>
+                  <a:srgbClr val="F8B322"/>
+                </a:solidFill>
+              </a:rPr>
+              <a:t> </a:t>
+            </a:r>
+            <a:r>
+              <a:rPr lang="en-US" sz="3500" dirty="0" err="1">
+                <a:solidFill>
+                  <a:srgbClr val="F8B322"/>
+                </a:solidFill>
+              </a:rPr>
+              <a:t>från</a:t>
+            </a:r>
+            <a:r>
+              <a:rPr lang="en-US" sz="3500" dirty="0">
+                <a:solidFill>
+                  <a:srgbClr val="F8B322"/>
+                </a:solidFill>
+              </a:rPr>
+              <a:t> </a:t>
+            </a:r>
+            <a:r>
+              <a:rPr lang="en-US" sz="3500" dirty="0" err="1">
+                <a:solidFill>
+                  <a:srgbClr val="F8B322"/>
+                </a:solidFill>
+              </a:rPr>
+              <a:t>lösenordstjänsten</a:t>
+            </a:r>
+            <a:r>
+              <a:rPr lang="en-US" sz="3500" dirty="0">
+                <a:solidFill>
+                  <a:srgbClr val="F8B322"/>
+                </a:solidFill>
+              </a:rPr>
+              <a:t> </a:t>
+            </a:r>
+            <a:r>
+              <a:rPr lang="en-US" sz="3500" dirty="0" err="1">
+                <a:solidFill>
+                  <a:srgbClr val="F8B322"/>
+                </a:solidFill>
+              </a:rPr>
+              <a:t>och</a:t>
+            </a:r>
+            <a:r>
+              <a:rPr lang="en-US" sz="3500" dirty="0">
+                <a:solidFill>
+                  <a:srgbClr val="F8B322"/>
+                </a:solidFill>
+              </a:rPr>
+              <a:t> </a:t>
+            </a:r>
+            <a:r>
+              <a:rPr lang="en-US" sz="3500" dirty="0" err="1">
+                <a:solidFill>
+                  <a:srgbClr val="F8B322"/>
+                </a:solidFill>
+              </a:rPr>
+              <a:t>lägga</a:t>
+            </a:r>
+            <a:r>
+              <a:rPr lang="en-US" sz="3500" dirty="0">
+                <a:solidFill>
+                  <a:srgbClr val="F8B322"/>
+                </a:solidFill>
+              </a:rPr>
+              <a:t> in </a:t>
+            </a:r>
+            <a:r>
+              <a:rPr lang="en-US" sz="3500" dirty="0" err="1">
+                <a:solidFill>
+                  <a:srgbClr val="F8B322"/>
+                </a:solidFill>
+              </a:rPr>
+              <a:t>som</a:t>
+            </a:r>
+            <a:r>
+              <a:rPr lang="en-US" sz="3500" dirty="0">
+                <a:solidFill>
+                  <a:srgbClr val="F8B322"/>
+                </a:solidFill>
+              </a:rPr>
+              <a:t> secrets</a:t>
+            </a:r>
+            <a:endParaRPr sz="3500" dirty="0">
               <a:solidFill>
                 <a:srgbClr val="F8B322"/>
               </a:solidFill>

--- a/Operator.pptx
+++ b/Operator.pptx
@@ -281,7 +281,7 @@
       </p15:sldGuideLst>
     </p:ext>
     <p:ext uri="http://customooxmlschemas.google.com/">
-      <go:slidesCustomData xmlns="" xmlns:mc="http://schemas.openxmlformats.org/markup-compatibility/2006" xmlns:mv="urn:schemas-microsoft-com:mac:vml" xmlns:c="http://schemas.openxmlformats.org/drawingml/2006/chart" xmlns:dgm="http://schemas.openxmlformats.org/drawingml/2006/diagram" xmlns:o="urn:schemas-microsoft-com:office:office" xmlns:v="urn:schemas-microsoft-com:vml" xmlns:pvml="urn:schemas-microsoft-com:office:powerpoint" xmlns:com="http://schemas.openxmlformats.org/drawingml/2006/compatibility" xmlns:p14="http://schemas.microsoft.com/office/powerpoint/2010/main" xmlns:p15="http://schemas.microsoft.com/office/powerpoint/2012/main" xmlns:ahyp="http://schemas.microsoft.com/office/drawing/2018/hyperlinkcolor" xmlns:go="http://customooxmlschemas.google.com/" r:id="rId20" roundtripDataSignature="AMtx7mipNH/+IkhNPeAn0pBx3m2OYJUG9A=="/>
+      <go:slidesCustomData xmlns:go="http://customooxmlschemas.google.com/" xmlns:ahyp="http://schemas.microsoft.com/office/drawing/2018/hyperlinkcolor" xmlns:p15="http://schemas.microsoft.com/office/powerpoint/2012/main" xmlns:p14="http://schemas.microsoft.com/office/powerpoint/2010/main" xmlns:com="http://schemas.openxmlformats.org/drawingml/2006/compatibility" xmlns:pvml="urn:schemas-microsoft-com:office:powerpoint" xmlns:v="urn:schemas-microsoft-com:vml" xmlns:o="urn:schemas-microsoft-com:office:office" xmlns:dgm="http://schemas.openxmlformats.org/drawingml/2006/diagram" xmlns:c="http://schemas.openxmlformats.org/drawingml/2006/chart" xmlns:mv="urn:schemas-microsoft-com:mac:vml" xmlns:mc="http://schemas.openxmlformats.org/markup-compatibility/2006" xmlns="" r:id="rId20" roundtripDataSignature="AMtx7mipNH/+IkhNPeAn0pBx3m2OYJUG9A=="/>
     </p:ext>
   </p:extLst>
 </p:presentation>
@@ -1512,8 +1512,8 @@
         </p:nvSpPr>
         <p:spPr>
           <a:xfrm>
-            <a:off x="1371600" y="763587"/>
-            <a:ext cx="5029200" cy="3771900"/>
+            <a:off x="1373188" y="763588"/>
+            <a:ext cx="5026025" cy="3771900"/>
           </a:xfrm>
           <a:custGeom>
             <a:avLst/>
@@ -1575,11 +1575,7 @@
               </a:spcAft>
               <a:buNone/>
             </a:pPr>
-            <a:r>
-              <a:rPr lang="en-US"/>
-              <a:t>Hej och välkomna!</a:t>
-            </a:r>
-            <a:endParaRPr/>
+            <a:endParaRPr dirty="0"/>
           </a:p>
         </p:txBody>
       </p:sp>
@@ -1738,7 +1734,7 @@
               </a:spcAft>
               <a:buNone/>
             </a:pPr>
-            <a:endParaRPr/>
+            <a:endParaRPr dirty="0"/>
           </a:p>
         </p:txBody>
       </p:sp>
@@ -1793,6 +1789,120 @@
         </p:txBody>
       </p:sp>
     </p:spTree>
+  </p:cSld>
+  <p:clrMapOvr>
+    <a:masterClrMapping/>
+  </p:clrMapOvr>
+</p:notes>
+</file>
+
+<file path=ppt/notesSlides/notesSlide11.xml><?xml version="1.0" encoding="utf-8"?>
+<p:notes xmlns:a="http://schemas.openxmlformats.org/drawingml/2006/main" xmlns:r="http://schemas.openxmlformats.org/officeDocument/2006/relationships" xmlns:p="http://schemas.openxmlformats.org/presentationml/2006/main">
+  <p:cSld>
+    <p:spTree>
+      <p:nvGrpSpPr>
+        <p:cNvPr id="1" name=""/>
+        <p:cNvGrpSpPr/>
+        <p:nvPr/>
+      </p:nvGrpSpPr>
+      <p:grpSpPr>
+        <a:xfrm>
+          <a:off x="0" y="0"/>
+          <a:ext cx="0" cy="0"/>
+          <a:chOff x="0" y="0"/>
+          <a:chExt cx="0" cy="0"/>
+        </a:xfrm>
+      </p:grpSpPr>
+      <p:sp>
+        <p:nvSpPr>
+          <p:cNvPr id="2" name="Slide Image Placeholder 1"/>
+          <p:cNvSpPr>
+            <a:spLocks noGrp="1" noRot="1" noChangeAspect="1"/>
+          </p:cNvSpPr>
+          <p:nvPr>
+            <p:ph type="sldImg"/>
+          </p:nvPr>
+        </p:nvSpPr>
+        <p:spPr>
+          <a:xfrm>
+            <a:off x="1373188" y="763588"/>
+            <a:ext cx="5026025" cy="3771900"/>
+          </a:xfrm>
+        </p:spPr>
+      </p:sp>
+      <p:sp>
+        <p:nvSpPr>
+          <p:cNvPr id="3" name="Notes Placeholder 2"/>
+          <p:cNvSpPr>
+            <a:spLocks noGrp="1"/>
+          </p:cNvSpPr>
+          <p:nvPr>
+            <p:ph type="body" idx="1"/>
+          </p:nvPr>
+        </p:nvSpPr>
+        <p:spPr/>
+        <p:txBody>
+          <a:bodyPr/>
+          <a:lstStyle/>
+          <a:p>
+            <a:endParaRPr lang="sv-SE" dirty="0"/>
+          </a:p>
+        </p:txBody>
+      </p:sp>
+      <p:sp>
+        <p:nvSpPr>
+          <p:cNvPr id="4" name="Slide Number Placeholder 3"/>
+          <p:cNvSpPr>
+            <a:spLocks noGrp="1"/>
+          </p:cNvSpPr>
+          <p:nvPr>
+            <p:ph type="sldNum" idx="12"/>
+          </p:nvPr>
+        </p:nvSpPr>
+        <p:spPr/>
+        <p:txBody>
+          <a:bodyPr/>
+          <a:lstStyle/>
+          <a:p>
+            <a:pPr marL="0" marR="0" lvl="0" indent="0" algn="r" rtl="0">
+              <a:lnSpc>
+                <a:spcPct val="100000"/>
+              </a:lnSpc>
+              <a:spcBef>
+                <a:spcPts val="0"/>
+              </a:spcBef>
+              <a:spcAft>
+                <a:spcPts val="0"/>
+              </a:spcAft>
+              <a:buClr>
+                <a:srgbClr val="FFFFFF"/>
+              </a:buClr>
+              <a:buSzPts val="1400"/>
+              <a:buFont typeface="Arial Black"/>
+              <a:buNone/>
+            </a:pPr>
+            <a:fld id="{00000000-1234-1234-1234-123412341234}" type="slidenum">
+              <a:rPr lang="en-US" sz="1400" b="0" i="0" u="none" strike="noStrike" cap="none" smtClean="0">
+                <a:solidFill>
+                  <a:srgbClr val="FFFFFF"/>
+                </a:solidFill>
+                <a:latin typeface="Arial Black"/>
+                <a:ea typeface="Arial Black"/>
+                <a:cs typeface="Arial Black"/>
+                <a:sym typeface="Arial Black"/>
+              </a:rPr>
+              <a:t>11</a:t>
+            </a:fld>
+            <a:endParaRPr lang="en-US"/>
+          </a:p>
+        </p:txBody>
+      </p:sp>
+    </p:spTree>
+    <p:extLst>
+      <p:ext uri="{BB962C8B-B14F-4D97-AF65-F5344CB8AC3E}">
+        <p14:creationId xmlns:p14="http://schemas.microsoft.com/office/powerpoint/2010/main" val="1417564198"/>
+      </p:ext>
+    </p:extLst>
   </p:cSld>
   <p:clrMapOvr>
     <a:masterClrMapping/>
@@ -1892,99 +2002,7 @@
               </a:spcAft>
               <a:buNone/>
             </a:pPr>
-            <a:r>
-              <a:rPr lang="en-US"/>
-              <a:t>Pod: Kör containrar, som innehåller våra applikationer. </a:t>
-            </a:r>
-            <a:endParaRPr/>
-          </a:p>
-          <a:p>
-            <a:pPr marL="0" lvl="0" indent="0" algn="l" rtl="0">
-              <a:spcBef>
-                <a:spcPts val="0"/>
-              </a:spcBef>
-              <a:spcAft>
-                <a:spcPts val="0"/>
-              </a:spcAft>
-              <a:buNone/>
-            </a:pPr>
-            <a:r>
-              <a:rPr lang="en-US"/>
-              <a:t>Secret: Innehåller credentials t ex lösenord</a:t>
-            </a:r>
-            <a:endParaRPr/>
-          </a:p>
-          <a:p>
-            <a:pPr marL="0" lvl="0" indent="0" algn="l" rtl="0">
-              <a:spcBef>
-                <a:spcPts val="0"/>
-              </a:spcBef>
-              <a:spcAft>
-                <a:spcPts val="0"/>
-              </a:spcAft>
-              <a:buNone/>
-            </a:pPr>
-            <a:r>
-              <a:rPr lang="en-US"/>
-              <a:t>ConfigMap: Innehåller konfiguration</a:t>
-            </a:r>
-            <a:endParaRPr/>
-          </a:p>
-          <a:p>
-            <a:pPr marL="0" lvl="0" indent="0" algn="l" rtl="0">
-              <a:spcBef>
-                <a:spcPts val="0"/>
-              </a:spcBef>
-              <a:spcAft>
-                <a:spcPts val="0"/>
-              </a:spcAft>
-              <a:buNone/>
-            </a:pPr>
-            <a:endParaRPr/>
-          </a:p>
-          <a:p>
-            <a:pPr marL="0" lvl="0" indent="0" algn="l" rtl="0">
-              <a:spcBef>
-                <a:spcPts val="0"/>
-              </a:spcBef>
-              <a:spcAft>
-                <a:spcPts val="0"/>
-              </a:spcAft>
-              <a:buNone/>
-            </a:pPr>
-            <a:r>
-              <a:rPr lang="en-US"/>
-              <a:t>Finns många fler sorters objekt i Kubernetes men dessa inbyggda räcker att nämna nu.</a:t>
-            </a:r>
-            <a:endParaRPr/>
-          </a:p>
-          <a:p>
-            <a:pPr marL="0" lvl="0" indent="0" algn="l" rtl="0">
-              <a:spcBef>
-                <a:spcPts val="0"/>
-              </a:spcBef>
-              <a:spcAft>
-                <a:spcPts val="0"/>
-              </a:spcAft>
-              <a:buNone/>
-            </a:pPr>
-            <a:endParaRPr/>
-          </a:p>
-          <a:p>
-            <a:pPr marL="0" lvl="0" indent="0" algn="l" rtl="0">
-              <a:spcBef>
-                <a:spcPts val="0"/>
-              </a:spcBef>
-              <a:spcAft>
-                <a:spcPts val="0"/>
-              </a:spcAft>
-              <a:buNone/>
-            </a:pPr>
-            <a:r>
-              <a:rPr lang="en-US"/>
-              <a:t>Custom Resource: man definierar dessa själv, det är bara en informationsbärare, med valfria attribut</a:t>
-            </a:r>
-            <a:endParaRPr/>
+            <a:endParaRPr dirty="0"/>
           </a:p>
         </p:txBody>
       </p:sp>
@@ -2075,8 +2093,8 @@
         </p:nvSpPr>
         <p:spPr>
           <a:xfrm>
-            <a:off x="1371600" y="763587"/>
-            <a:ext cx="5029200" cy="3771900"/>
+            <a:off x="1373188" y="763588"/>
+            <a:ext cx="5026025" cy="3771900"/>
           </a:xfrm>
           <a:custGeom>
             <a:avLst/>
@@ -2128,1144 +2146,6 @@
             <a:noAutofit/>
           </a:bodyPr>
           <a:lstStyle/>
-          <a:p>
-            <a:pPr marL="0" lvl="0" indent="0" algn="l" rtl="0">
-              <a:spcBef>
-                <a:spcPts val="0"/>
-              </a:spcBef>
-              <a:spcAft>
-                <a:spcPts val="0"/>
-              </a:spcAft>
-              <a:buNone/>
-            </a:pPr>
-            <a:r>
-              <a:rPr lang="en-US" dirty="0" err="1">
-                <a:solidFill>
-                  <a:schemeClr val="dk1"/>
-                </a:solidFill>
-              </a:rPr>
-              <a:t>En</a:t>
-            </a:r>
-            <a:r>
-              <a:rPr lang="en-US" dirty="0">
-                <a:solidFill>
-                  <a:schemeClr val="dk1"/>
-                </a:solidFill>
-              </a:rPr>
-              <a:t> Operator </a:t>
-            </a:r>
-            <a:r>
-              <a:rPr lang="en-US" dirty="0" err="1">
-                <a:solidFill>
-                  <a:schemeClr val="dk1"/>
-                </a:solidFill>
-              </a:rPr>
-              <a:t>är</a:t>
-            </a:r>
-            <a:r>
-              <a:rPr lang="en-US" dirty="0">
-                <a:solidFill>
-                  <a:schemeClr val="dk1"/>
-                </a:solidFill>
-              </a:rPr>
-              <a:t> </a:t>
-            </a:r>
-            <a:r>
-              <a:rPr lang="en-US" dirty="0" err="1">
-                <a:solidFill>
-                  <a:schemeClr val="dk1"/>
-                </a:solidFill>
-              </a:rPr>
-              <a:t>en</a:t>
-            </a:r>
-            <a:r>
-              <a:rPr lang="en-US" dirty="0">
-                <a:solidFill>
-                  <a:schemeClr val="dk1"/>
-                </a:solidFill>
-              </a:rPr>
-              <a:t> </a:t>
-            </a:r>
-            <a:r>
-              <a:rPr lang="en-US" dirty="0" err="1">
-                <a:solidFill>
-                  <a:schemeClr val="dk1"/>
-                </a:solidFill>
-              </a:rPr>
-              <a:t>helt</a:t>
-            </a:r>
-            <a:r>
-              <a:rPr lang="en-US" dirty="0">
-                <a:solidFill>
-                  <a:schemeClr val="dk1"/>
-                </a:solidFill>
-              </a:rPr>
-              <a:t> </a:t>
-            </a:r>
-            <a:r>
-              <a:rPr lang="en-US" dirty="0" err="1">
-                <a:solidFill>
-                  <a:schemeClr val="dk1"/>
-                </a:solidFill>
-              </a:rPr>
-              <a:t>vanlig</a:t>
-            </a:r>
-            <a:r>
-              <a:rPr lang="en-US" dirty="0">
-                <a:solidFill>
-                  <a:schemeClr val="dk1"/>
-                </a:solidFill>
-              </a:rPr>
-              <a:t> </a:t>
-            </a:r>
-            <a:r>
-              <a:rPr lang="en-US" dirty="0" err="1">
-                <a:solidFill>
-                  <a:schemeClr val="dk1"/>
-                </a:solidFill>
-              </a:rPr>
-              <a:t>applikation</a:t>
-            </a:r>
-            <a:r>
-              <a:rPr lang="en-US" dirty="0">
-                <a:solidFill>
-                  <a:schemeClr val="dk1"/>
-                </a:solidFill>
-              </a:rPr>
-              <a:t>, </a:t>
-            </a:r>
-            <a:r>
-              <a:rPr lang="en-US" dirty="0" err="1">
-                <a:solidFill>
-                  <a:schemeClr val="dk1"/>
-                </a:solidFill>
-              </a:rPr>
-              <a:t>som</a:t>
-            </a:r>
-            <a:r>
-              <a:rPr lang="en-US" dirty="0">
-                <a:solidFill>
-                  <a:schemeClr val="dk1"/>
-                </a:solidFill>
-              </a:rPr>
-              <a:t> </a:t>
-            </a:r>
-            <a:r>
-              <a:rPr lang="en-US" dirty="0" err="1">
-                <a:solidFill>
-                  <a:schemeClr val="dk1"/>
-                </a:solidFill>
-              </a:rPr>
-              <a:t>också</a:t>
-            </a:r>
-            <a:r>
-              <a:rPr lang="en-US" dirty="0">
-                <a:solidFill>
-                  <a:schemeClr val="dk1"/>
-                </a:solidFill>
-              </a:rPr>
-              <a:t> </a:t>
-            </a:r>
-            <a:r>
-              <a:rPr lang="en-US" dirty="0" err="1">
-                <a:solidFill>
-                  <a:schemeClr val="dk1"/>
-                </a:solidFill>
-              </a:rPr>
-              <a:t>körs</a:t>
-            </a:r>
-            <a:r>
-              <a:rPr lang="en-US" dirty="0">
-                <a:solidFill>
-                  <a:schemeClr val="dk1"/>
-                </a:solidFill>
-              </a:rPr>
-              <a:t> </a:t>
-            </a:r>
-            <a:r>
-              <a:rPr lang="en-US" dirty="0" err="1">
-                <a:solidFill>
-                  <a:schemeClr val="dk1"/>
-                </a:solidFill>
-              </a:rPr>
-              <a:t>i</a:t>
-            </a:r>
-            <a:r>
-              <a:rPr lang="en-US" dirty="0">
-                <a:solidFill>
-                  <a:schemeClr val="dk1"/>
-                </a:solidFill>
-              </a:rPr>
-              <a:t> </a:t>
-            </a:r>
-            <a:r>
-              <a:rPr lang="en-US" dirty="0" err="1">
-                <a:solidFill>
-                  <a:schemeClr val="dk1"/>
-                </a:solidFill>
-              </a:rPr>
-              <a:t>en</a:t>
-            </a:r>
-            <a:r>
-              <a:rPr lang="en-US" dirty="0">
-                <a:solidFill>
-                  <a:schemeClr val="dk1"/>
-                </a:solidFill>
-              </a:rPr>
-              <a:t> pod.</a:t>
-            </a:r>
-            <a:endParaRPr dirty="0">
-              <a:solidFill>
-                <a:schemeClr val="dk1"/>
-              </a:solidFill>
-            </a:endParaRPr>
-          </a:p>
-          <a:p>
-            <a:pPr marL="0" lvl="0" indent="0" algn="l" rtl="0">
-              <a:spcBef>
-                <a:spcPts val="0"/>
-              </a:spcBef>
-              <a:spcAft>
-                <a:spcPts val="0"/>
-              </a:spcAft>
-              <a:buNone/>
-            </a:pPr>
-            <a:endParaRPr dirty="0"/>
-          </a:p>
-          <a:p>
-            <a:pPr marL="0" lvl="0" indent="0" algn="l" rtl="0">
-              <a:spcBef>
-                <a:spcPts val="0"/>
-              </a:spcBef>
-              <a:spcAft>
-                <a:spcPts val="0"/>
-              </a:spcAft>
-              <a:buNone/>
-            </a:pPr>
-            <a:r>
-              <a:rPr lang="en-US" dirty="0"/>
-              <a:t>Operator Pattern: </a:t>
-            </a:r>
-            <a:endParaRPr dirty="0"/>
-          </a:p>
-          <a:p>
-            <a:pPr marL="457200" lvl="0" indent="-317500" algn="l" rtl="0">
-              <a:spcBef>
-                <a:spcPts val="0"/>
-              </a:spcBef>
-              <a:spcAft>
-                <a:spcPts val="0"/>
-              </a:spcAft>
-              <a:buSzPts val="1400"/>
-              <a:buChar char="●"/>
-            </a:pPr>
-            <a:r>
-              <a:rPr lang="en-US" dirty="0"/>
-              <a:t>Men </a:t>
-            </a:r>
-            <a:r>
-              <a:rPr lang="en-US" dirty="0" err="1"/>
-              <a:t>hur</a:t>
-            </a:r>
-            <a:r>
-              <a:rPr lang="en-US" dirty="0"/>
-              <a:t> den </a:t>
-            </a:r>
-            <a:r>
-              <a:rPr lang="en-US" dirty="0" err="1"/>
-              <a:t>arbetar</a:t>
-            </a:r>
-            <a:r>
-              <a:rPr lang="en-US" dirty="0"/>
-              <a:t> </a:t>
-            </a:r>
-            <a:r>
-              <a:rPr lang="en-US" dirty="0" err="1"/>
-              <a:t>följer</a:t>
-            </a:r>
-            <a:r>
-              <a:rPr lang="en-US" dirty="0"/>
-              <a:t> </a:t>
-            </a:r>
-            <a:r>
-              <a:rPr lang="en-US" dirty="0" err="1"/>
-              <a:t>ett</a:t>
-            </a:r>
-            <a:r>
-              <a:rPr lang="en-US" dirty="0"/>
-              <a:t> </a:t>
-            </a:r>
-            <a:r>
-              <a:rPr lang="en-US" dirty="0" err="1"/>
-              <a:t>visst</a:t>
-            </a:r>
-            <a:r>
-              <a:rPr lang="en-US" dirty="0"/>
-              <a:t> </a:t>
-            </a:r>
-            <a:r>
-              <a:rPr lang="en-US" dirty="0" err="1"/>
-              <a:t>mönster</a:t>
-            </a:r>
-            <a:r>
-              <a:rPr lang="en-US" dirty="0"/>
-              <a:t> </a:t>
-            </a:r>
-            <a:r>
-              <a:rPr lang="en-US" dirty="0" err="1"/>
-              <a:t>kallat</a:t>
-            </a:r>
-            <a:r>
-              <a:rPr lang="en-US" dirty="0"/>
-              <a:t> “Operator Pattern”. </a:t>
-            </a:r>
-            <a:endParaRPr dirty="0"/>
-          </a:p>
-          <a:p>
-            <a:pPr marL="457200" lvl="0" indent="-317500" algn="l" rtl="0">
-              <a:spcBef>
-                <a:spcPts val="0"/>
-              </a:spcBef>
-              <a:spcAft>
-                <a:spcPts val="0"/>
-              </a:spcAft>
-              <a:buSzPts val="1400"/>
-              <a:buChar char="●"/>
-            </a:pPr>
-            <a:r>
-              <a:rPr lang="en-US" dirty="0"/>
-              <a:t>Detta </a:t>
-            </a:r>
-            <a:r>
-              <a:rPr lang="en-US" dirty="0" err="1"/>
-              <a:t>är</a:t>
-            </a:r>
-            <a:r>
-              <a:rPr lang="en-US" dirty="0"/>
-              <a:t> </a:t>
-            </a:r>
-            <a:r>
-              <a:rPr lang="en-US" dirty="0" err="1"/>
-              <a:t>samma</a:t>
-            </a:r>
-            <a:r>
-              <a:rPr lang="en-US" dirty="0"/>
-              <a:t> </a:t>
-            </a:r>
-            <a:r>
-              <a:rPr lang="en-US" dirty="0" err="1"/>
-              <a:t>mönster</a:t>
-            </a:r>
-            <a:r>
-              <a:rPr lang="en-US" dirty="0"/>
-              <a:t> </a:t>
-            </a:r>
-            <a:r>
-              <a:rPr lang="en-US" dirty="0" err="1"/>
-              <a:t>som</a:t>
-            </a:r>
-            <a:r>
-              <a:rPr lang="en-US" dirty="0"/>
-              <a:t> de “Controllers” </a:t>
-            </a:r>
-            <a:r>
-              <a:rPr lang="en-US" dirty="0" err="1"/>
-              <a:t>som</a:t>
-            </a:r>
-            <a:r>
-              <a:rPr lang="en-US" dirty="0"/>
-              <a:t> redan </a:t>
-            </a:r>
-            <a:r>
-              <a:rPr lang="en-US" dirty="0" err="1"/>
-              <a:t>finns</a:t>
-            </a:r>
-            <a:r>
-              <a:rPr lang="en-US" dirty="0"/>
-              <a:t> </a:t>
-            </a:r>
-            <a:r>
-              <a:rPr lang="en-US" dirty="0" err="1"/>
-              <a:t>i</a:t>
-            </a:r>
-            <a:r>
-              <a:rPr lang="en-US" dirty="0"/>
-              <a:t> Kubernetes, men </a:t>
-            </a:r>
-            <a:r>
-              <a:rPr lang="en-US" dirty="0" err="1"/>
-              <a:t>när</a:t>
-            </a:r>
-            <a:r>
-              <a:rPr lang="en-US" dirty="0"/>
-              <a:t> man </a:t>
-            </a:r>
-            <a:r>
-              <a:rPr lang="en-US" dirty="0" err="1"/>
-              <a:t>bygger</a:t>
-            </a:r>
-            <a:r>
-              <a:rPr lang="en-US" dirty="0"/>
-              <a:t> </a:t>
-            </a:r>
-            <a:r>
-              <a:rPr lang="en-US" dirty="0" err="1"/>
-              <a:t>en</a:t>
-            </a:r>
-            <a:r>
-              <a:rPr lang="en-US" dirty="0"/>
-              <a:t> </a:t>
-            </a:r>
-            <a:r>
-              <a:rPr lang="en-US" dirty="0" err="1"/>
-              <a:t>egen</a:t>
-            </a:r>
-            <a:r>
-              <a:rPr lang="en-US" dirty="0"/>
-              <a:t> </a:t>
-            </a:r>
-            <a:r>
-              <a:rPr lang="en-US" dirty="0" err="1"/>
-              <a:t>sådan</a:t>
-            </a:r>
-            <a:r>
-              <a:rPr lang="en-US" dirty="0"/>
-              <a:t> Controller, </a:t>
-            </a:r>
-            <a:r>
-              <a:rPr lang="en-US" dirty="0" err="1"/>
-              <a:t>så</a:t>
-            </a:r>
-            <a:r>
-              <a:rPr lang="en-US" dirty="0"/>
-              <a:t> </a:t>
-            </a:r>
-            <a:r>
-              <a:rPr lang="en-US" dirty="0" err="1"/>
-              <a:t>kallas</a:t>
-            </a:r>
-            <a:r>
-              <a:rPr lang="en-US" dirty="0"/>
-              <a:t> det </a:t>
-            </a:r>
-            <a:r>
-              <a:rPr lang="en-US" dirty="0" err="1"/>
-              <a:t>för</a:t>
-            </a:r>
-            <a:r>
-              <a:rPr lang="en-US" dirty="0"/>
-              <a:t> Operator.</a:t>
-            </a:r>
-            <a:endParaRPr dirty="0"/>
-          </a:p>
-          <a:p>
-            <a:pPr marL="0" lvl="0" indent="0" algn="l" rtl="0">
-              <a:spcBef>
-                <a:spcPts val="0"/>
-              </a:spcBef>
-              <a:spcAft>
-                <a:spcPts val="0"/>
-              </a:spcAft>
-              <a:buNone/>
-            </a:pPr>
-            <a:endParaRPr dirty="0"/>
-          </a:p>
-          <a:p>
-            <a:pPr marL="0" lvl="0" indent="0" algn="l" rtl="0">
-              <a:spcBef>
-                <a:spcPts val="0"/>
-              </a:spcBef>
-              <a:spcAft>
-                <a:spcPts val="0"/>
-              </a:spcAft>
-              <a:buNone/>
-            </a:pPr>
-            <a:r>
-              <a:rPr lang="en-US" dirty="0" err="1"/>
-              <a:t>Bilden</a:t>
-            </a:r>
-            <a:r>
-              <a:rPr lang="en-US" dirty="0"/>
-              <a:t>: </a:t>
-            </a:r>
-            <a:endParaRPr dirty="0"/>
-          </a:p>
-          <a:p>
-            <a:pPr marL="457200" lvl="0" indent="-317500" algn="l" rtl="0">
-              <a:spcBef>
-                <a:spcPts val="0"/>
-              </a:spcBef>
-              <a:spcAft>
-                <a:spcPts val="0"/>
-              </a:spcAft>
-              <a:buSzPts val="1400"/>
-              <a:buChar char="●"/>
-            </a:pPr>
-            <a:r>
-              <a:rPr lang="en-US" dirty="0" err="1"/>
-              <a:t>Operatorn</a:t>
-            </a:r>
-            <a:r>
-              <a:rPr lang="en-US" dirty="0"/>
-              <a:t> </a:t>
-            </a:r>
-            <a:r>
-              <a:rPr lang="en-US" dirty="0" err="1"/>
-              <a:t>drivs</a:t>
-            </a:r>
-            <a:r>
-              <a:rPr lang="en-US" dirty="0"/>
-              <a:t> av Custom Resources. </a:t>
-            </a:r>
-            <a:r>
-              <a:rPr lang="en-US" dirty="0" err="1"/>
-              <a:t>Inte</a:t>
-            </a:r>
-            <a:r>
-              <a:rPr lang="en-US" dirty="0"/>
-              <a:t> </a:t>
-            </a:r>
-            <a:r>
-              <a:rPr lang="en-US" dirty="0" err="1"/>
-              <a:t>vilka</a:t>
-            </a:r>
-            <a:r>
-              <a:rPr lang="en-US" dirty="0"/>
-              <a:t> </a:t>
-            </a:r>
-            <a:r>
-              <a:rPr lang="en-US" dirty="0" err="1"/>
-              <a:t>som</a:t>
-            </a:r>
-            <a:r>
-              <a:rPr lang="en-US" dirty="0"/>
-              <a:t> </a:t>
-            </a:r>
-            <a:r>
-              <a:rPr lang="en-US" dirty="0" err="1"/>
-              <a:t>helst</a:t>
-            </a:r>
-            <a:r>
-              <a:rPr lang="en-US" dirty="0"/>
-              <a:t>, </a:t>
-            </a:r>
-            <a:r>
-              <a:rPr lang="en-US" dirty="0" err="1"/>
-              <a:t>utan</a:t>
-            </a:r>
-            <a:r>
-              <a:rPr lang="en-US" dirty="0"/>
-              <a:t> </a:t>
-            </a:r>
-            <a:r>
-              <a:rPr lang="en-US" dirty="0" err="1"/>
-              <a:t>Operatorns</a:t>
-            </a:r>
-            <a:r>
-              <a:rPr lang="en-US" dirty="0"/>
-              <a:t> </a:t>
-            </a:r>
-            <a:r>
-              <a:rPr lang="en-US" dirty="0" err="1"/>
-              <a:t>egen</a:t>
-            </a:r>
-            <a:r>
-              <a:rPr lang="en-US" dirty="0"/>
-              <a:t> </a:t>
-            </a:r>
-            <a:r>
-              <a:rPr lang="en-US" dirty="0" err="1"/>
-              <a:t>typ</a:t>
-            </a:r>
-            <a:r>
-              <a:rPr lang="en-US" dirty="0"/>
-              <a:t> av Custom Resource. Man </a:t>
-            </a:r>
-            <a:r>
-              <a:rPr lang="en-US" dirty="0" err="1"/>
-              <a:t>kan</a:t>
-            </a:r>
-            <a:r>
-              <a:rPr lang="en-US" dirty="0"/>
-              <a:t> se </a:t>
-            </a:r>
-            <a:r>
-              <a:rPr lang="en-US" dirty="0" err="1"/>
-              <a:t>varje</a:t>
-            </a:r>
-            <a:r>
-              <a:rPr lang="en-US" dirty="0"/>
-              <a:t> </a:t>
-            </a:r>
-            <a:r>
-              <a:rPr lang="en-US" dirty="0" err="1"/>
-              <a:t>sådan</a:t>
-            </a:r>
-            <a:r>
-              <a:rPr lang="en-US" dirty="0"/>
-              <a:t> Custom Resource </a:t>
-            </a:r>
-            <a:r>
-              <a:rPr lang="en-US" dirty="0" err="1"/>
-              <a:t>som</a:t>
-            </a:r>
-            <a:r>
-              <a:rPr lang="en-US" dirty="0"/>
-              <a:t> </a:t>
-            </a:r>
-            <a:r>
-              <a:rPr lang="en-US" dirty="0" err="1"/>
-              <a:t>en</a:t>
-            </a:r>
-            <a:r>
-              <a:rPr lang="en-US" dirty="0"/>
-              <a:t> “</a:t>
-            </a:r>
-            <a:r>
-              <a:rPr lang="en-US" dirty="0" err="1"/>
-              <a:t>jobb-begäran</a:t>
-            </a:r>
-            <a:r>
-              <a:rPr lang="en-US" dirty="0"/>
-              <a:t>”. Dessa </a:t>
-            </a:r>
-            <a:r>
-              <a:rPr lang="en-US" dirty="0" err="1"/>
-              <a:t>läggs</a:t>
-            </a:r>
-            <a:r>
-              <a:rPr lang="en-US" dirty="0"/>
-              <a:t> till av den </a:t>
-            </a:r>
-            <a:r>
-              <a:rPr lang="en-US" dirty="0" err="1"/>
-              <a:t>applikation</a:t>
-            </a:r>
-            <a:r>
-              <a:rPr lang="en-US" dirty="0"/>
-              <a:t> </a:t>
-            </a:r>
-            <a:r>
-              <a:rPr lang="en-US" dirty="0" err="1"/>
-              <a:t>som</a:t>
-            </a:r>
-            <a:r>
-              <a:rPr lang="en-US" dirty="0"/>
-              <a:t> </a:t>
-            </a:r>
-            <a:r>
-              <a:rPr lang="en-US" dirty="0" err="1"/>
-              <a:t>vill</a:t>
-            </a:r>
-            <a:r>
-              <a:rPr lang="en-US" dirty="0"/>
-              <a:t> </a:t>
-            </a:r>
-            <a:r>
-              <a:rPr lang="en-US" dirty="0" err="1"/>
-              <a:t>använda</a:t>
-            </a:r>
-            <a:r>
-              <a:rPr lang="en-US" dirty="0"/>
-              <a:t> </a:t>
-            </a:r>
-            <a:r>
-              <a:rPr lang="en-US" dirty="0" err="1"/>
-              <a:t>Operatorn</a:t>
-            </a:r>
-            <a:r>
-              <a:rPr lang="en-US" dirty="0"/>
-              <a:t> (“user”), </a:t>
-            </a:r>
-            <a:r>
-              <a:rPr lang="en-US" dirty="0" err="1"/>
-              <a:t>och</a:t>
-            </a:r>
-            <a:r>
-              <a:rPr lang="en-US" dirty="0"/>
-              <a:t> </a:t>
-            </a:r>
-            <a:r>
-              <a:rPr lang="en-US" dirty="0" err="1"/>
-              <a:t>definierar</a:t>
-            </a:r>
-            <a:r>
-              <a:rPr lang="en-US" dirty="0"/>
-              <a:t> </a:t>
-            </a:r>
-            <a:r>
-              <a:rPr lang="en-US" dirty="0" err="1"/>
-              <a:t>ett</a:t>
-            </a:r>
-            <a:r>
-              <a:rPr lang="en-US" dirty="0"/>
-              <a:t> </a:t>
-            </a:r>
-            <a:r>
-              <a:rPr lang="en-US" dirty="0" err="1"/>
-              <a:t>önskat</a:t>
-            </a:r>
-            <a:r>
-              <a:rPr lang="en-US" dirty="0"/>
-              <a:t> state </a:t>
-            </a:r>
-            <a:r>
-              <a:rPr lang="en-US" dirty="0" err="1"/>
-              <a:t>som</a:t>
-            </a:r>
-            <a:r>
-              <a:rPr lang="en-US" dirty="0"/>
-              <a:t> man </a:t>
-            </a:r>
-            <a:r>
-              <a:rPr lang="en-US" dirty="0" err="1"/>
-              <a:t>vill</a:t>
-            </a:r>
-            <a:r>
-              <a:rPr lang="en-US" dirty="0"/>
-              <a:t> </a:t>
-            </a:r>
-            <a:r>
-              <a:rPr lang="en-US" dirty="0" err="1"/>
-              <a:t>uppnå</a:t>
-            </a:r>
-            <a:r>
-              <a:rPr lang="en-US" dirty="0"/>
-              <a:t>.</a:t>
-            </a:r>
-            <a:endParaRPr dirty="0"/>
-          </a:p>
-          <a:p>
-            <a:pPr marL="457200" lvl="0" indent="-317500" algn="l" rtl="0">
-              <a:spcBef>
-                <a:spcPts val="0"/>
-              </a:spcBef>
-              <a:spcAft>
-                <a:spcPts val="0"/>
-              </a:spcAft>
-              <a:buSzPts val="1400"/>
-              <a:buChar char="●"/>
-            </a:pPr>
-            <a:r>
-              <a:rPr lang="en-US" dirty="0" err="1"/>
-              <a:t>Operatorn</a:t>
-            </a:r>
-            <a:r>
-              <a:rPr lang="en-US" dirty="0"/>
-              <a:t> </a:t>
-            </a:r>
-            <a:r>
-              <a:rPr lang="en-US" dirty="0" err="1"/>
-              <a:t>lyssnar</a:t>
-            </a:r>
-            <a:r>
-              <a:rPr lang="en-US" dirty="0"/>
-              <a:t> </a:t>
-            </a:r>
-            <a:r>
-              <a:rPr lang="en-US" dirty="0" err="1"/>
-              <a:t>efter</a:t>
-            </a:r>
-            <a:r>
-              <a:rPr lang="en-US" dirty="0"/>
-              <a:t> events </a:t>
-            </a:r>
-            <a:r>
-              <a:rPr lang="en-US" dirty="0" err="1"/>
-              <a:t>och</a:t>
-            </a:r>
-            <a:r>
-              <a:rPr lang="en-US" dirty="0"/>
-              <a:t> </a:t>
-            </a:r>
-            <a:r>
-              <a:rPr lang="en-US" dirty="0" err="1"/>
-              <a:t>blir</a:t>
-            </a:r>
-            <a:r>
-              <a:rPr lang="en-US" dirty="0"/>
-              <a:t> </a:t>
-            </a:r>
-            <a:r>
-              <a:rPr lang="en-US" dirty="0" err="1"/>
-              <a:t>meddelad</a:t>
-            </a:r>
-            <a:r>
-              <a:rPr lang="en-US" dirty="0"/>
-              <a:t> av </a:t>
-            </a:r>
-            <a:r>
-              <a:rPr lang="en-US" dirty="0" err="1"/>
-              <a:t>klustret</a:t>
-            </a:r>
-            <a:r>
-              <a:rPr lang="en-US" dirty="0"/>
-              <a:t> </a:t>
-            </a:r>
-            <a:r>
-              <a:rPr lang="en-US" dirty="0" err="1"/>
-              <a:t>när</a:t>
-            </a:r>
-            <a:r>
-              <a:rPr lang="en-US" dirty="0"/>
-              <a:t> </a:t>
-            </a:r>
-            <a:r>
-              <a:rPr lang="en-US" dirty="0" err="1"/>
-              <a:t>en</a:t>
-            </a:r>
-            <a:r>
-              <a:rPr lang="en-US" dirty="0"/>
-              <a:t> Custom Resource </a:t>
-            </a:r>
-            <a:r>
-              <a:rPr lang="en-US" dirty="0" err="1"/>
-              <a:t>läggs</a:t>
-            </a:r>
-            <a:r>
-              <a:rPr lang="en-US" dirty="0"/>
-              <a:t> till / </a:t>
-            </a:r>
-            <a:r>
-              <a:rPr lang="en-US" dirty="0" err="1"/>
-              <a:t>tas</a:t>
-            </a:r>
-            <a:r>
-              <a:rPr lang="en-US" dirty="0"/>
-              <a:t> bort / </a:t>
-            </a:r>
-            <a:r>
-              <a:rPr lang="en-US" dirty="0" err="1"/>
-              <a:t>ändras</a:t>
-            </a:r>
-            <a:r>
-              <a:rPr lang="en-US" dirty="0"/>
-              <a:t>.</a:t>
-            </a:r>
-            <a:endParaRPr dirty="0"/>
-          </a:p>
-          <a:p>
-            <a:pPr marL="457200" lvl="0" indent="-317500" algn="l" rtl="0">
-              <a:spcBef>
-                <a:spcPts val="0"/>
-              </a:spcBef>
-              <a:spcAft>
-                <a:spcPts val="0"/>
-              </a:spcAft>
-              <a:buSzPts val="1400"/>
-              <a:buChar char="●"/>
-            </a:pPr>
-            <a:r>
-              <a:rPr lang="en-US" dirty="0" err="1"/>
-              <a:t>Behandlingen</a:t>
-            </a:r>
-            <a:r>
-              <a:rPr lang="en-US" dirty="0"/>
-              <a:t> av </a:t>
-            </a:r>
-            <a:r>
-              <a:rPr lang="en-US" dirty="0" err="1"/>
-              <a:t>ett</a:t>
-            </a:r>
-            <a:r>
-              <a:rPr lang="en-US" dirty="0"/>
-              <a:t> event </a:t>
-            </a:r>
-            <a:r>
-              <a:rPr lang="en-US" dirty="0" err="1"/>
-              <a:t>leder</a:t>
-            </a:r>
-            <a:r>
-              <a:rPr lang="en-US" dirty="0"/>
-              <a:t> till </a:t>
-            </a:r>
-            <a:r>
-              <a:rPr lang="en-US" dirty="0" err="1"/>
-              <a:t>att</a:t>
-            </a:r>
-            <a:r>
-              <a:rPr lang="en-US" dirty="0"/>
-              <a:t> </a:t>
-            </a:r>
-            <a:r>
-              <a:rPr lang="en-US" dirty="0" err="1"/>
-              <a:t>Operatorn</a:t>
-            </a:r>
-            <a:r>
-              <a:rPr lang="en-US" dirty="0"/>
-              <a:t> </a:t>
-            </a:r>
-            <a:r>
-              <a:rPr lang="en-US" dirty="0" err="1"/>
-              <a:t>utför</a:t>
-            </a:r>
-            <a:r>
-              <a:rPr lang="en-US" dirty="0"/>
-              <a:t> </a:t>
-            </a:r>
-            <a:r>
-              <a:rPr lang="en-US" dirty="0" err="1"/>
-              <a:t>något</a:t>
-            </a:r>
-            <a:r>
-              <a:rPr lang="en-US" dirty="0"/>
-              <a:t> </a:t>
-            </a:r>
-            <a:r>
-              <a:rPr lang="en-US" dirty="0" err="1"/>
-              <a:t>jobb</a:t>
-            </a:r>
-            <a:r>
-              <a:rPr lang="en-US" dirty="0"/>
-              <a:t> </a:t>
-            </a:r>
-            <a:r>
-              <a:rPr lang="en-US" dirty="0" err="1"/>
-              <a:t>så</a:t>
-            </a:r>
-            <a:r>
-              <a:rPr lang="en-US" dirty="0"/>
-              <a:t> </a:t>
-            </a:r>
-            <a:r>
-              <a:rPr lang="en-US" dirty="0" err="1"/>
-              <a:t>att</a:t>
-            </a:r>
-            <a:r>
-              <a:rPr lang="en-US" dirty="0"/>
-              <a:t> det </a:t>
-            </a:r>
-            <a:r>
-              <a:rPr lang="en-US" dirty="0" err="1"/>
-              <a:t>verkliga</a:t>
-            </a:r>
-            <a:r>
-              <a:rPr lang="en-US" dirty="0"/>
-              <a:t> </a:t>
-            </a:r>
-            <a:r>
-              <a:rPr lang="en-US" dirty="0" err="1"/>
-              <a:t>statet</a:t>
-            </a:r>
-            <a:r>
-              <a:rPr lang="en-US" dirty="0"/>
-              <a:t> </a:t>
-            </a:r>
-            <a:r>
-              <a:rPr lang="en-US" dirty="0" err="1"/>
-              <a:t>blir</a:t>
-            </a:r>
-            <a:r>
-              <a:rPr lang="en-US" dirty="0"/>
-              <a:t> </a:t>
-            </a:r>
-            <a:r>
-              <a:rPr lang="en-US" dirty="0" err="1"/>
-              <a:t>lika</a:t>
-            </a:r>
-            <a:r>
-              <a:rPr lang="en-US" dirty="0"/>
-              <a:t> med det </a:t>
-            </a:r>
-            <a:r>
-              <a:rPr lang="en-US" dirty="0" err="1"/>
-              <a:t>önskade</a:t>
-            </a:r>
-            <a:r>
-              <a:rPr lang="en-US" dirty="0"/>
-              <a:t> </a:t>
-            </a:r>
-            <a:r>
-              <a:rPr lang="en-US" dirty="0" err="1"/>
-              <a:t>statet</a:t>
-            </a:r>
-            <a:r>
-              <a:rPr lang="en-US" dirty="0"/>
-              <a:t> (“adjust current state”). </a:t>
-            </a:r>
-            <a:r>
-              <a:rPr lang="en-US" dirty="0" err="1"/>
-              <a:t>Ofta</a:t>
-            </a:r>
-            <a:r>
-              <a:rPr lang="en-US" dirty="0"/>
-              <a:t> </a:t>
-            </a:r>
-            <a:r>
-              <a:rPr lang="en-US" dirty="0" err="1"/>
-              <a:t>är</a:t>
-            </a:r>
-            <a:r>
-              <a:rPr lang="en-US" dirty="0"/>
-              <a:t> det </a:t>
-            </a:r>
-            <a:r>
-              <a:rPr lang="en-US" dirty="0" err="1"/>
-              <a:t>att</a:t>
-            </a:r>
-            <a:r>
-              <a:rPr lang="en-US" dirty="0"/>
-              <a:t> </a:t>
-            </a:r>
-            <a:r>
-              <a:rPr lang="en-US" dirty="0" err="1"/>
-              <a:t>managera</a:t>
-            </a:r>
-            <a:r>
-              <a:rPr lang="en-US" dirty="0"/>
-              <a:t> </a:t>
-            </a:r>
-            <a:r>
-              <a:rPr lang="en-US" dirty="0" err="1"/>
-              <a:t>andra</a:t>
-            </a:r>
-            <a:r>
-              <a:rPr lang="en-US" dirty="0"/>
-              <a:t> </a:t>
-            </a:r>
-            <a:r>
-              <a:rPr lang="en-US" dirty="0" err="1"/>
-              <a:t>resurser</a:t>
-            </a:r>
-            <a:r>
-              <a:rPr lang="en-US" dirty="0"/>
-              <a:t> </a:t>
-            </a:r>
-            <a:r>
-              <a:rPr lang="en-US" dirty="0" err="1"/>
-              <a:t>i</a:t>
-            </a:r>
-            <a:r>
-              <a:rPr lang="en-US" dirty="0"/>
-              <a:t> </a:t>
-            </a:r>
-            <a:r>
-              <a:rPr lang="en-US" dirty="0" err="1"/>
-              <a:t>klustret</a:t>
-            </a:r>
-            <a:r>
-              <a:rPr lang="en-US" dirty="0"/>
-              <a:t>, men det </a:t>
-            </a:r>
-            <a:r>
-              <a:rPr lang="en-US" dirty="0" err="1"/>
-              <a:t>kan</a:t>
-            </a:r>
-            <a:r>
-              <a:rPr lang="en-US" dirty="0"/>
-              <a:t> </a:t>
-            </a:r>
-            <a:r>
-              <a:rPr lang="en-US" dirty="0" err="1"/>
-              <a:t>också</a:t>
-            </a:r>
-            <a:r>
-              <a:rPr lang="en-US" dirty="0"/>
-              <a:t> </a:t>
-            </a:r>
-            <a:r>
-              <a:rPr lang="en-US" dirty="0" err="1"/>
-              <a:t>vara</a:t>
-            </a:r>
-            <a:r>
-              <a:rPr lang="en-US" dirty="0"/>
-              <a:t> </a:t>
-            </a:r>
-            <a:r>
-              <a:rPr lang="en-US" dirty="0" err="1"/>
-              <a:t>att</a:t>
-            </a:r>
-            <a:r>
-              <a:rPr lang="en-US" dirty="0"/>
-              <a:t> </a:t>
-            </a:r>
-            <a:r>
-              <a:rPr lang="en-US" dirty="0" err="1"/>
-              <a:t>agera</a:t>
-            </a:r>
-            <a:r>
-              <a:rPr lang="en-US" dirty="0"/>
-              <a:t> mot </a:t>
-            </a:r>
-            <a:r>
-              <a:rPr lang="en-US" dirty="0" err="1"/>
-              <a:t>ett</a:t>
-            </a:r>
-            <a:r>
-              <a:rPr lang="en-US" dirty="0"/>
-              <a:t> </a:t>
-            </a:r>
-            <a:r>
-              <a:rPr lang="en-US" dirty="0" err="1"/>
-              <a:t>externt</a:t>
-            </a:r>
-            <a:r>
-              <a:rPr lang="en-US" dirty="0"/>
-              <a:t> system.</a:t>
-            </a:r>
-            <a:endParaRPr dirty="0"/>
-          </a:p>
-          <a:p>
-            <a:pPr marL="457200" lvl="0" indent="-317500" algn="l" rtl="0">
-              <a:spcBef>
-                <a:spcPts val="0"/>
-              </a:spcBef>
-              <a:spcAft>
-                <a:spcPts val="0"/>
-              </a:spcAft>
-              <a:buSzPts val="1400"/>
-              <a:buChar char="●"/>
-            </a:pPr>
-            <a:r>
-              <a:rPr lang="en-US" dirty="0" err="1"/>
-              <a:t>Kontroll</a:t>
-            </a:r>
-            <a:r>
-              <a:rPr lang="en-US" dirty="0"/>
-              <a:t>-loop </a:t>
-            </a:r>
-            <a:r>
-              <a:rPr lang="en-US" dirty="0" err="1"/>
-              <a:t>som</a:t>
-            </a:r>
-            <a:r>
-              <a:rPr lang="en-US" dirty="0"/>
-              <a:t> </a:t>
-            </a:r>
-            <a:r>
-              <a:rPr lang="en-US" dirty="0" err="1"/>
-              <a:t>kollar</a:t>
-            </a:r>
-            <a:r>
-              <a:rPr lang="en-US" dirty="0"/>
-              <a:t> </a:t>
-            </a:r>
-            <a:r>
-              <a:rPr lang="en-US" dirty="0" err="1"/>
-              <a:t>läget</a:t>
-            </a:r>
-            <a:r>
-              <a:rPr lang="en-US" dirty="0"/>
-              <a:t> med </a:t>
-            </a:r>
-            <a:r>
-              <a:rPr lang="en-US" dirty="0" err="1"/>
-              <a:t>jämna</a:t>
-            </a:r>
-            <a:r>
-              <a:rPr lang="en-US" dirty="0"/>
-              <a:t> </a:t>
-            </a:r>
-            <a:r>
-              <a:rPr lang="en-US" dirty="0" err="1"/>
-              <a:t>mellanrum</a:t>
-            </a:r>
-            <a:r>
-              <a:rPr lang="en-US" dirty="0"/>
-              <a:t>.</a:t>
-            </a:r>
-            <a:endParaRPr dirty="0"/>
-          </a:p>
           <a:p>
             <a:pPr marL="0" lvl="0" indent="0" algn="l" rtl="0">
               <a:spcBef>
@@ -3367,8 +2247,8 @@
         </p:nvSpPr>
         <p:spPr>
           <a:xfrm>
-            <a:off x="1371600" y="763587"/>
-            <a:ext cx="5029200" cy="3771900"/>
+            <a:off x="1373188" y="763588"/>
+            <a:ext cx="5026025" cy="3771900"/>
           </a:xfrm>
           <a:custGeom>
             <a:avLst/>
@@ -3430,95 +2310,7 @@
               </a:spcAft>
               <a:buNone/>
             </a:pPr>
-            <a:r>
-              <a:rPr lang="en-US"/>
-              <a:t>Automatisera manuella steg: Sådant som behöver skötas i Kubernetes-klustret, men som ofta göra för hand, eller är omständligt att göra</a:t>
-            </a:r>
-            <a:endParaRPr/>
-          </a:p>
-          <a:p>
-            <a:pPr marL="0" lvl="0" indent="0" algn="l" rtl="0">
-              <a:spcBef>
-                <a:spcPts val="0"/>
-              </a:spcBef>
-              <a:spcAft>
-                <a:spcPts val="0"/>
-              </a:spcAft>
-              <a:buNone/>
-            </a:pPr>
-            <a:endParaRPr/>
-          </a:p>
-          <a:p>
-            <a:pPr marL="0" lvl="0" indent="0" algn="l" rtl="0">
-              <a:spcBef>
-                <a:spcPts val="0"/>
-              </a:spcBef>
-              <a:spcAft>
-                <a:spcPts val="0"/>
-              </a:spcAft>
-              <a:buNone/>
-            </a:pPr>
-            <a:r>
-              <a:rPr lang="en-US"/>
-              <a:t>Livscykelhantering: T ex koordinerad driftsättning av config, databas och kod, eller automatiska uppgraderingar av kringtjänster</a:t>
-            </a:r>
-            <a:endParaRPr/>
-          </a:p>
-          <a:p>
-            <a:pPr marL="0" lvl="0" indent="0" algn="l" rtl="0">
-              <a:spcBef>
-                <a:spcPts val="0"/>
-              </a:spcBef>
-              <a:spcAft>
-                <a:spcPts val="0"/>
-              </a:spcAft>
-              <a:buNone/>
-            </a:pPr>
-            <a:endParaRPr/>
-          </a:p>
-          <a:p>
-            <a:pPr marL="0" lvl="0" indent="0" algn="l" rtl="0">
-              <a:spcBef>
-                <a:spcPts val="0"/>
-              </a:spcBef>
-              <a:spcAft>
-                <a:spcPts val="0"/>
-              </a:spcAft>
-              <a:buNone/>
-            </a:pPr>
-            <a:r>
-              <a:rPr lang="en-US"/>
-              <a:t>Backup &amp; restore: Av applikationers state, av databaser mm</a:t>
-            </a:r>
-            <a:endParaRPr/>
-          </a:p>
-          <a:p>
-            <a:pPr marL="0" lvl="0" indent="0" algn="l" rtl="0">
-              <a:spcBef>
-                <a:spcPts val="0"/>
-              </a:spcBef>
-              <a:spcAft>
-                <a:spcPts val="0"/>
-              </a:spcAft>
-              <a:buNone/>
-            </a:pPr>
-            <a:endParaRPr/>
-          </a:p>
-          <a:p>
-            <a:pPr marL="0" lvl="0" indent="0" algn="l" rtl="0">
-              <a:spcBef>
-                <a:spcPts val="0"/>
-              </a:spcBef>
-              <a:spcAft>
-                <a:spcPts val="0"/>
-              </a:spcAft>
-              <a:buNone/>
-            </a:pPr>
-            <a:r>
-              <a:rPr lang="en-US"/>
-              <a:t>Chaos testing: Liknande Chaos Monkey</a:t>
-            </a:r>
-            <a:endParaRPr/>
+            <a:endParaRPr dirty="0"/>
           </a:p>
         </p:txBody>
       </p:sp>
@@ -3672,7 +2464,7 @@
               </a:spcAft>
               <a:buNone/>
             </a:pPr>
-            <a:endParaRPr/>
+            <a:endParaRPr dirty="0"/>
           </a:p>
         </p:txBody>
       </p:sp>
@@ -3763,8 +2555,8 @@
         </p:nvSpPr>
         <p:spPr>
           <a:xfrm>
-            <a:off x="1371600" y="763587"/>
-            <a:ext cx="5029200" cy="3771900"/>
+            <a:off x="1373188" y="763588"/>
+            <a:ext cx="5026025" cy="3771900"/>
           </a:xfrm>
           <a:custGeom>
             <a:avLst/>
@@ -3826,11 +2618,7 @@
               </a:spcAft>
               <a:buNone/>
             </a:pPr>
-            <a:r>
-              <a:rPr lang="en-US"/>
-              <a:t>Detta är alltså den YAML som appen “MyApp” kan använda för att få till en instans av MariaDB, med givna credentials.</a:t>
-            </a:r>
-            <a:endParaRPr/>
+            <a:endParaRPr dirty="0"/>
           </a:p>
         </p:txBody>
       </p:sp>
@@ -3921,8 +2709,8 @@
         </p:nvSpPr>
         <p:spPr>
           <a:xfrm>
-            <a:off x="1371600" y="763587"/>
-            <a:ext cx="5029200" cy="3771900"/>
+            <a:off x="1373188" y="763588"/>
+            <a:ext cx="5026025" cy="3771900"/>
           </a:xfrm>
           <a:custGeom>
             <a:avLst/>
@@ -3984,136 +2772,7 @@
               </a:spcAft>
               <a:buNone/>
             </a:pPr>
-            <a:r>
-              <a:rPr lang="en-US"/>
-              <a:t>Detta exempel är vad som fick mig intresserad av Operators.</a:t>
-            </a:r>
-            <a:endParaRPr/>
-          </a:p>
-          <a:p>
-            <a:pPr marL="0" lvl="0" indent="0" algn="l" rtl="0">
-              <a:spcBef>
-                <a:spcPts val="0"/>
-              </a:spcBef>
-              <a:spcAft>
-                <a:spcPts val="0"/>
-              </a:spcAft>
-              <a:buNone/>
-            </a:pPr>
-            <a:endParaRPr/>
-          </a:p>
-          <a:p>
-            <a:pPr marL="457200" lvl="0" indent="-317500" algn="l" rtl="0">
-              <a:spcBef>
-                <a:spcPts val="0"/>
-              </a:spcBef>
-              <a:spcAft>
-                <a:spcPts val="0"/>
-              </a:spcAft>
-              <a:buSzPts val="1400"/>
-              <a:buChar char="●"/>
-            </a:pPr>
-            <a:r>
-              <a:rPr lang="en-US"/>
-              <a:t>Vi utgår från att applikationen läser sina lösenord från Secrets, som ligger som egna objekt i Kubernetes-klustret. Detta är ett vanligt upplägg.</a:t>
-            </a:r>
-            <a:endParaRPr/>
-          </a:p>
-          <a:p>
-            <a:pPr marL="457200" lvl="0" indent="-317500" algn="l" rtl="0">
-              <a:spcBef>
-                <a:spcPts val="0"/>
-              </a:spcBef>
-              <a:spcAft>
-                <a:spcPts val="0"/>
-              </a:spcAft>
-              <a:buSzPts val="1400"/>
-              <a:buChar char="●"/>
-            </a:pPr>
-            <a:r>
-              <a:rPr lang="en-US"/>
-              <a:t>Vi utgår också från att lösenorden hanteras i en lösenordstjänst, t ex 1Password eller LastPass.</a:t>
-            </a:r>
-            <a:endParaRPr/>
-          </a:p>
-          <a:p>
-            <a:pPr marL="457200" lvl="0" indent="-317500" algn="l" rtl="0">
-              <a:spcBef>
-                <a:spcPts val="0"/>
-              </a:spcBef>
-              <a:spcAft>
-                <a:spcPts val="0"/>
-              </a:spcAft>
-              <a:buSzPts val="1400"/>
-              <a:buChar char="●"/>
-            </a:pPr>
-            <a:r>
-              <a:rPr lang="en-US"/>
-              <a:t>Men att få in lösenorden i till Secrets i klustret kan vara problematiskt. </a:t>
-            </a:r>
-            <a:endParaRPr/>
-          </a:p>
-          <a:p>
-            <a:pPr marL="457200" lvl="0" indent="-317500" algn="l" rtl="0">
-              <a:spcBef>
-                <a:spcPts val="0"/>
-              </a:spcBef>
-              <a:spcAft>
-                <a:spcPts val="0"/>
-              </a:spcAft>
-              <a:buSzPts val="1400"/>
-              <a:buChar char="●"/>
-            </a:pPr>
-            <a:r>
-              <a:rPr lang="en-US"/>
-              <a:t>Allt annat som man vill ha i klustret är vanligtvis versionshanterat i Git - men det går ju inte för lösenord.</a:t>
-            </a:r>
-            <a:endParaRPr/>
-          </a:p>
-          <a:p>
-            <a:pPr marL="457200" lvl="0" indent="-317500" algn="l" rtl="0">
-              <a:spcBef>
-                <a:spcPts val="0"/>
-              </a:spcBef>
-              <a:spcAft>
-                <a:spcPts val="0"/>
-              </a:spcAft>
-              <a:buSzPts val="1400"/>
-              <a:buChar char="●"/>
-            </a:pPr>
-            <a:r>
-              <a:rPr lang="en-US"/>
-              <a:t>Därför en operator som springer och hämtar lösenorden från tjänsten och lägger in dem som secrets.</a:t>
-            </a:r>
-            <a:endParaRPr/>
-          </a:p>
-          <a:p>
-            <a:pPr marL="0" lvl="0" indent="0" algn="l" rtl="0">
-              <a:spcBef>
-                <a:spcPts val="0"/>
-              </a:spcBef>
-              <a:spcAft>
-                <a:spcPts val="0"/>
-              </a:spcAft>
-              <a:buNone/>
-            </a:pPr>
-            <a:endParaRPr/>
-          </a:p>
-          <a:p>
-            <a:pPr marL="0" lvl="0" indent="0" algn="l" rtl="0">
-              <a:spcBef>
-                <a:spcPts val="0"/>
-              </a:spcBef>
-              <a:spcAft>
-                <a:spcPts val="0"/>
-              </a:spcAft>
-              <a:buNone/>
-            </a:pPr>
-            <a:r>
-              <a:rPr lang="en-US"/>
-              <a:t>Enter “Password Operator”!</a:t>
-            </a:r>
-            <a:endParaRPr/>
+            <a:endParaRPr dirty="0"/>
           </a:p>
         </p:txBody>
       </p:sp>
@@ -4204,8 +2863,8 @@
         </p:nvSpPr>
         <p:spPr>
           <a:xfrm>
-            <a:off x="1371600" y="763587"/>
-            <a:ext cx="5029200" cy="3771900"/>
+            <a:off x="1373188" y="763588"/>
+            <a:ext cx="5026025" cy="3771900"/>
           </a:xfrm>
           <a:custGeom>
             <a:avLst/>
@@ -4267,67 +2926,7 @@
               </a:spcAft>
               <a:buNone/>
             </a:pPr>
-            <a:r>
-              <a:rPr lang="en-US"/>
-              <a:t>Detta är alltså den YAML som appen “MyApp” kan använda för att få nedhämtat alla lösenord i listan med ID “12345” och få dem sparade till en secret med givet namn. Inuti denna secret ligger varje lösenord i “listan” som en egen post.</a:t>
-            </a:r>
-            <a:endParaRPr/>
-          </a:p>
-          <a:p>
-            <a:pPr marL="0" lvl="0" indent="0" algn="l" rtl="0">
-              <a:spcBef>
-                <a:spcPts val="0"/>
-              </a:spcBef>
-              <a:spcAft>
-                <a:spcPts val="0"/>
-              </a:spcAft>
-              <a:buNone/>
-            </a:pPr>
-            <a:endParaRPr/>
-          </a:p>
-          <a:p>
-            <a:pPr marL="0" lvl="0" indent="0" algn="l" rtl="0">
-              <a:spcBef>
-                <a:spcPts val="0"/>
-              </a:spcBef>
-              <a:spcAft>
-                <a:spcPts val="0"/>
-              </a:spcAft>
-              <a:buNone/>
-            </a:pPr>
-            <a:r>
-              <a:rPr lang="en-US"/>
-              <a:t>Att använda en Operator för denna typ av lösenordshämtning är ett robust upplägg, då Secrets lever kvar även om Operatorn är nedstängd.</a:t>
-            </a:r>
-            <a:endParaRPr/>
-          </a:p>
-          <a:p>
-            <a:pPr marL="0" lvl="0" indent="0" algn="l" rtl="0">
-              <a:spcBef>
-                <a:spcPts val="0"/>
-              </a:spcBef>
-              <a:spcAft>
-                <a:spcPts val="0"/>
-              </a:spcAft>
-              <a:buNone/>
-            </a:pPr>
-            <a:endParaRPr/>
-          </a:p>
-          <a:p>
-            <a:pPr marL="0" lvl="0" indent="0" algn="l" rtl="0">
-              <a:spcBef>
-                <a:spcPts val="0"/>
-              </a:spcBef>
-              <a:spcAft>
-                <a:spcPts val="0"/>
-              </a:spcAft>
-              <a:buNone/>
-            </a:pPr>
-            <a:r>
-              <a:rPr lang="en-US"/>
-              <a:t>Det finns open source Operators för både 1Password och LastPass men inte för produkten Passwordstate. Därför byggde jag en sådan.</a:t>
-            </a:r>
-            <a:endParaRPr/>
+            <a:endParaRPr dirty="0"/>
           </a:p>
         </p:txBody>
       </p:sp>
@@ -4418,8 +3017,8 @@
         </p:nvSpPr>
         <p:spPr>
           <a:xfrm>
-            <a:off x="1371600" y="763587"/>
-            <a:ext cx="5029200" cy="3771900"/>
+            <a:off x="1373188" y="763588"/>
+            <a:ext cx="5026025" cy="3771900"/>
           </a:xfrm>
           <a:custGeom>
             <a:avLst/>
@@ -4481,302 +3080,7 @@
               </a:spcAft>
               <a:buNone/>
             </a:pPr>
-            <a:endParaRPr/>
-          </a:p>
-          <a:p>
-            <a:pPr marL="0" lvl="0" indent="0" algn="l" rtl="0">
-              <a:spcBef>
-                <a:spcPts val="0"/>
-              </a:spcBef>
-              <a:spcAft>
-                <a:spcPts val="0"/>
-              </a:spcAft>
-              <a:buNone/>
-            </a:pPr>
-            <a:r>
-              <a:rPr lang="en-US">
-                <a:solidFill>
-                  <a:schemeClr val="dk1"/>
-                </a:solidFill>
-              </a:rPr>
-              <a:t>Jag har kodat operatorn i C#. Men </a:t>
-            </a:r>
-            <a:r>
-              <a:rPr lang="en-US"/>
-              <a:t>eftersom en Operatorn bara är en vanlig applikation, kan den skrivas i precis vilket programspråk som helst, bara det kör i en container!</a:t>
-            </a:r>
-            <a:endParaRPr/>
-          </a:p>
-          <a:p>
-            <a:pPr marL="0" lvl="0" indent="0" algn="l" rtl="0">
-              <a:spcBef>
-                <a:spcPts val="0"/>
-              </a:spcBef>
-              <a:spcAft>
-                <a:spcPts val="0"/>
-              </a:spcAft>
-              <a:buNone/>
-            </a:pPr>
-            <a:endParaRPr/>
-          </a:p>
-          <a:p>
-            <a:pPr marL="0" lvl="0" indent="0" algn="l" rtl="0">
-              <a:spcBef>
-                <a:spcPts val="0"/>
-              </a:spcBef>
-              <a:spcAft>
-                <a:spcPts val="0"/>
-              </a:spcAft>
-              <a:buNone/>
-            </a:pPr>
-            <a:r>
-              <a:rPr lang="en-US"/>
-              <a:t>Vanligast är Go, men även Java, C# med flera förekommer. </a:t>
-            </a:r>
-            <a:endParaRPr/>
-          </a:p>
-          <a:p>
-            <a:pPr marL="0" lvl="0" indent="0" algn="l" rtl="0">
-              <a:spcBef>
-                <a:spcPts val="0"/>
-              </a:spcBef>
-              <a:spcAft>
-                <a:spcPts val="0"/>
-              </a:spcAft>
-              <a:buNone/>
-            </a:pPr>
-            <a:endParaRPr>
-              <a:solidFill>
-                <a:schemeClr val="dk1"/>
-              </a:solidFill>
-            </a:endParaRPr>
-          </a:p>
-          <a:p>
-            <a:pPr marL="0" lvl="0" indent="0" algn="l" rtl="0">
-              <a:spcBef>
-                <a:spcPts val="0"/>
-              </a:spcBef>
-              <a:spcAft>
-                <a:spcPts val="0"/>
-              </a:spcAft>
-              <a:buNone/>
-            </a:pPr>
-            <a:r>
-              <a:rPr lang="en-US">
-                <a:solidFill>
-                  <a:schemeClr val="dk1"/>
-                </a:solidFill>
-              </a:rPr>
-              <a:t>De flesta språk har redan en färdig SDK man kan använda, som löser en del boilerplate, t ex att lyssna på Kubernetes-events för en viss typ av Custom Resource.</a:t>
-            </a:r>
-            <a:endParaRPr>
-              <a:solidFill>
-                <a:schemeClr val="dk1"/>
-              </a:solidFill>
-            </a:endParaRPr>
-          </a:p>
-          <a:p>
-            <a:pPr marL="0" lvl="0" indent="0" algn="l" rtl="0">
-              <a:spcBef>
-                <a:spcPts val="0"/>
-              </a:spcBef>
-              <a:spcAft>
-                <a:spcPts val="0"/>
-              </a:spcAft>
-              <a:buNone/>
-            </a:pPr>
-            <a:endParaRPr/>
-          </a:p>
-          <a:p>
-            <a:pPr marL="0" lvl="0" indent="0" algn="l" rtl="0">
-              <a:spcBef>
-                <a:spcPts val="0"/>
-              </a:spcBef>
-              <a:spcAft>
-                <a:spcPts val="0"/>
-              </a:spcAft>
-              <a:buNone/>
-            </a:pPr>
-            <a:r>
-              <a:rPr lang="en-US"/>
-              <a:t>---</a:t>
-            </a:r>
-            <a:endParaRPr/>
-          </a:p>
-          <a:p>
-            <a:pPr marL="0" lvl="0" indent="0" algn="l" rtl="0">
-              <a:spcBef>
-                <a:spcPts val="0"/>
-              </a:spcBef>
-              <a:spcAft>
-                <a:spcPts val="0"/>
-              </a:spcAft>
-              <a:buNone/>
-            </a:pPr>
-            <a:endParaRPr/>
-          </a:p>
-          <a:p>
-            <a:pPr marL="0" lvl="0" indent="0" algn="l" rtl="0">
-              <a:spcBef>
-                <a:spcPts val="0"/>
-              </a:spcBef>
-              <a:spcAft>
-                <a:spcPts val="0"/>
-              </a:spcAft>
-              <a:buNone/>
-            </a:pPr>
-            <a:r>
-              <a:rPr lang="en-US"/>
-              <a:t>Kod!</a:t>
-            </a:r>
-            <a:endParaRPr/>
-          </a:p>
-          <a:p>
-            <a:pPr marL="0" lvl="0" indent="0" algn="l" rtl="0">
-              <a:spcBef>
-                <a:spcPts val="0"/>
-              </a:spcBef>
-              <a:spcAft>
-                <a:spcPts val="0"/>
-              </a:spcAft>
-              <a:buNone/>
-            </a:pPr>
-            <a:endParaRPr/>
-          </a:p>
-          <a:p>
-            <a:pPr marL="457200" lvl="0" indent="-317500" algn="l" rtl="0">
-              <a:spcBef>
-                <a:spcPts val="0"/>
-              </a:spcBef>
-              <a:spcAft>
-                <a:spcPts val="0"/>
-              </a:spcAft>
-              <a:buSzPts val="1400"/>
-              <a:buChar char="●"/>
-            </a:pPr>
-            <a:r>
-              <a:rPr lang="en-US"/>
-              <a:t>Detta är en SQL Server Db Operator som skapar upp databaser</a:t>
-            </a:r>
-            <a:endParaRPr/>
-          </a:p>
-          <a:p>
-            <a:pPr marL="457200" lvl="0" indent="-317500" algn="l" rtl="0">
-              <a:spcBef>
-                <a:spcPts val="0"/>
-              </a:spcBef>
-              <a:spcAft>
-                <a:spcPts val="0"/>
-              </a:spcAft>
-              <a:buSzPts val="1400"/>
-              <a:buChar char="●"/>
-            </a:pPr>
-            <a:r>
-              <a:rPr lang="en-US"/>
-              <a:t>Genomgång</a:t>
-            </a:r>
-            <a:endParaRPr/>
-          </a:p>
-          <a:p>
-            <a:pPr marL="914400" lvl="1" indent="-317500" algn="l" rtl="0">
-              <a:spcBef>
-                <a:spcPts val="0"/>
-              </a:spcBef>
-              <a:spcAft>
-                <a:spcPts val="0"/>
-              </a:spcAft>
-              <a:buSzPts val="1400"/>
-              <a:buChar char="○"/>
-            </a:pPr>
-            <a:r>
-              <a:rPr lang="en-US"/>
-              <a:t>Operator.cs (entry point)</a:t>
-            </a:r>
-            <a:endParaRPr/>
-          </a:p>
-          <a:p>
-            <a:pPr marL="914400" lvl="1" indent="-317500" algn="l" rtl="0">
-              <a:spcBef>
-                <a:spcPts val="0"/>
-              </a:spcBef>
-              <a:spcAft>
-                <a:spcPts val="0"/>
-              </a:spcAft>
-              <a:buSzPts val="1400"/>
-              <a:buChar char="○"/>
-            </a:pPr>
-            <a:r>
-              <a:rPr lang="en-US"/>
-              <a:t>Crd.cs (har spec)</a:t>
-            </a:r>
-            <a:endParaRPr/>
-          </a:p>
-          <a:p>
-            <a:pPr marL="914400" lvl="1" indent="-317500" algn="l" rtl="0">
-              <a:spcBef>
-                <a:spcPts val="0"/>
-              </a:spcBef>
-              <a:spcAft>
-                <a:spcPts val="0"/>
-              </a:spcAft>
-              <a:buSzPts val="1400"/>
-              <a:buChar char="○"/>
-            </a:pPr>
-            <a:r>
-              <a:rPr lang="en-US"/>
-              <a:t>CrdSpec.cs (matchar mot myapp/db.yaml)</a:t>
-            </a:r>
-            <a:endParaRPr/>
-          </a:p>
-          <a:p>
-            <a:pPr marL="914400" lvl="1" indent="-317500" algn="l" rtl="0">
-              <a:spcBef>
-                <a:spcPts val="0"/>
-              </a:spcBef>
-              <a:spcAft>
-                <a:spcPts val="0"/>
-              </a:spcAft>
-              <a:buSzPts val="1400"/>
-              <a:buChar char="○"/>
-            </a:pPr>
-            <a:r>
-              <a:rPr lang="en-US">
-                <a:solidFill>
-                  <a:schemeClr val="dk1"/>
-                </a:solidFill>
-              </a:rPr>
-              <a:t>IOperationHandler.cs (vad man behöver implementera med detta SDK)</a:t>
-            </a:r>
-            <a:endParaRPr/>
-          </a:p>
-          <a:p>
-            <a:pPr marL="914400" lvl="1" indent="-317500" algn="l" rtl="0">
-              <a:spcBef>
-                <a:spcPts val="0"/>
-              </a:spcBef>
-              <a:spcAft>
-                <a:spcPts val="0"/>
-              </a:spcAft>
-              <a:buSzPts val="1400"/>
-              <a:buChar char="○"/>
-            </a:pPr>
-            <a:r>
-              <a:rPr lang="en-US"/>
-              <a:t>OperationHandler.cs (implementationer)</a:t>
-            </a:r>
-            <a:endParaRPr/>
-          </a:p>
-          <a:p>
-            <a:pPr marL="0" lvl="0" indent="0" algn="l" rtl="0">
-              <a:spcBef>
-                <a:spcPts val="0"/>
-              </a:spcBef>
-              <a:spcAft>
-                <a:spcPts val="0"/>
-              </a:spcAft>
-              <a:buNone/>
-            </a:pPr>
-            <a:endParaRPr/>
+            <a:endParaRPr dirty="0"/>
           </a:p>
         </p:txBody>
       </p:sp>
@@ -14663,7 +12967,7 @@
           <p:nvPr/>
         </p:nvPicPr>
         <p:blipFill>
-          <a:blip r:embed="rId2">
+          <a:blip r:embed="rId3">
             <a:extLst>
               <a:ext uri="{28A0092B-C50C-407E-A947-70E740481C1C}">
                 <a14:useLocalDpi xmlns:a14="http://schemas.microsoft.com/office/drawing/2010/main" val="0"/>
